--- a/DsModel/Ex2.pptx
+++ b/DsModel/Ex2.pptx
@@ -14,6 +14,7 @@
     <p:sldId id="606" r:id="rId8"/>
     <p:sldId id="605" r:id="rId9"/>
     <p:sldId id="608" r:id="rId10"/>
+    <p:sldId id="609" r:id="rId11"/>
   </p:sldIdLst>
   <p:sldSz cx="12192000" cy="6858000"/>
   <p:notesSz cx="6858000" cy="9144000"/>
@@ -267,7 +268,7 @@
           <a:p>
             <a:fld id="{74A2778E-F063-4908-8427-F8B35A4747CF}" type="datetimeFigureOut">
               <a:rPr lang="ko-KR" altLang="en-US" smtClean="0"/>
-              <a:t>2022-09-15</a:t>
+              <a:t>2022-09-16</a:t>
             </a:fld>
             <a:endParaRPr lang="ko-KR" altLang="en-US"/>
           </a:p>
@@ -465,7 +466,7 @@
           <a:p>
             <a:fld id="{74A2778E-F063-4908-8427-F8B35A4747CF}" type="datetimeFigureOut">
               <a:rPr lang="ko-KR" altLang="en-US" smtClean="0"/>
-              <a:t>2022-09-15</a:t>
+              <a:t>2022-09-16</a:t>
             </a:fld>
             <a:endParaRPr lang="ko-KR" altLang="en-US"/>
           </a:p>
@@ -673,7 +674,7 @@
           <a:p>
             <a:fld id="{74A2778E-F063-4908-8427-F8B35A4747CF}" type="datetimeFigureOut">
               <a:rPr lang="ko-KR" altLang="en-US" smtClean="0"/>
-              <a:t>2022-09-15</a:t>
+              <a:t>2022-09-16</a:t>
             </a:fld>
             <a:endParaRPr lang="ko-KR" altLang="en-US"/>
           </a:p>
@@ -871,7 +872,7 @@
           <a:p>
             <a:fld id="{74A2778E-F063-4908-8427-F8B35A4747CF}" type="datetimeFigureOut">
               <a:rPr lang="ko-KR" altLang="en-US" smtClean="0"/>
-              <a:t>2022-09-15</a:t>
+              <a:t>2022-09-16</a:t>
             </a:fld>
             <a:endParaRPr lang="ko-KR" altLang="en-US"/>
           </a:p>
@@ -1146,7 +1147,7 @@
           <a:p>
             <a:fld id="{74A2778E-F063-4908-8427-F8B35A4747CF}" type="datetimeFigureOut">
               <a:rPr lang="ko-KR" altLang="en-US" smtClean="0"/>
-              <a:t>2022-09-15</a:t>
+              <a:t>2022-09-16</a:t>
             </a:fld>
             <a:endParaRPr lang="ko-KR" altLang="en-US"/>
           </a:p>
@@ -1411,7 +1412,7 @@
           <a:p>
             <a:fld id="{74A2778E-F063-4908-8427-F8B35A4747CF}" type="datetimeFigureOut">
               <a:rPr lang="ko-KR" altLang="en-US" smtClean="0"/>
-              <a:t>2022-09-15</a:t>
+              <a:t>2022-09-16</a:t>
             </a:fld>
             <a:endParaRPr lang="ko-KR" altLang="en-US"/>
           </a:p>
@@ -1823,7 +1824,7 @@
           <a:p>
             <a:fld id="{74A2778E-F063-4908-8427-F8B35A4747CF}" type="datetimeFigureOut">
               <a:rPr lang="ko-KR" altLang="en-US" smtClean="0"/>
-              <a:t>2022-09-15</a:t>
+              <a:t>2022-09-16</a:t>
             </a:fld>
             <a:endParaRPr lang="ko-KR" altLang="en-US"/>
           </a:p>
@@ -1964,7 +1965,7 @@
           <a:p>
             <a:fld id="{74A2778E-F063-4908-8427-F8B35A4747CF}" type="datetimeFigureOut">
               <a:rPr lang="ko-KR" altLang="en-US" smtClean="0"/>
-              <a:t>2022-09-15</a:t>
+              <a:t>2022-09-16</a:t>
             </a:fld>
             <a:endParaRPr lang="ko-KR" altLang="en-US"/>
           </a:p>
@@ -2077,7 +2078,7 @@
           <a:p>
             <a:fld id="{74A2778E-F063-4908-8427-F8B35A4747CF}" type="datetimeFigureOut">
               <a:rPr lang="ko-KR" altLang="en-US" smtClean="0"/>
-              <a:t>2022-09-15</a:t>
+              <a:t>2022-09-16</a:t>
             </a:fld>
             <a:endParaRPr lang="ko-KR" altLang="en-US"/>
           </a:p>
@@ -2388,7 +2389,7 @@
           <a:p>
             <a:fld id="{74A2778E-F063-4908-8427-F8B35A4747CF}" type="datetimeFigureOut">
               <a:rPr lang="ko-KR" altLang="en-US" smtClean="0"/>
-              <a:t>2022-09-15</a:t>
+              <a:t>2022-09-16</a:t>
             </a:fld>
             <a:endParaRPr lang="ko-KR" altLang="en-US"/>
           </a:p>
@@ -2676,7 +2677,7 @@
           <a:p>
             <a:fld id="{74A2778E-F063-4908-8427-F8B35A4747CF}" type="datetimeFigureOut">
               <a:rPr lang="ko-KR" altLang="en-US" smtClean="0"/>
-              <a:t>2022-09-15</a:t>
+              <a:t>2022-09-16</a:t>
             </a:fld>
             <a:endParaRPr lang="ko-KR" altLang="en-US"/>
           </a:p>
@@ -2917,7 +2918,7 @@
           <a:p>
             <a:fld id="{74A2778E-F063-4908-8427-F8B35A4747CF}" type="datetimeFigureOut">
               <a:rPr lang="ko-KR" altLang="en-US" smtClean="0"/>
-              <a:t>2022-09-15</a:t>
+              <a:t>2022-09-16</a:t>
             </a:fld>
             <a:endParaRPr lang="ko-KR" altLang="en-US"/>
           </a:p>
@@ -10416,6 +10417,2206 @@
     <p:extLst>
       <p:ext uri="{BB962C8B-B14F-4D97-AF65-F5344CB8AC3E}">
         <p14:creationId xmlns:p14="http://schemas.microsoft.com/office/powerpoint/2010/main" val="868546602"/>
+      </p:ext>
+    </p:extLst>
+  </p:cSld>
+  <p:clrMapOvr>
+    <a:masterClrMapping/>
+  </p:clrMapOvr>
+</p:sld>
+</file>
+
+<file path=ppt/slides/slide10.xml><?xml version="1.0" encoding="utf-8"?>
+<p:sld xmlns:a="http://schemas.openxmlformats.org/drawingml/2006/main" xmlns:r="http://schemas.openxmlformats.org/officeDocument/2006/relationships" xmlns:p="http://schemas.openxmlformats.org/presentationml/2006/main">
+  <p:cSld>
+    <p:spTree>
+      <p:nvGrpSpPr>
+        <p:cNvPr id="1" name=""/>
+        <p:cNvGrpSpPr/>
+        <p:nvPr/>
+      </p:nvGrpSpPr>
+      <p:grpSpPr>
+        <a:xfrm>
+          <a:off x="0" y="0"/>
+          <a:ext cx="0" cy="0"/>
+          <a:chOff x="0" y="0"/>
+          <a:chExt cx="0" cy="0"/>
+        </a:xfrm>
+      </p:grpSpPr>
+      <p:sp>
+        <p:nvSpPr>
+          <p:cNvPr id="2" name="제목 1">
+            <a:extLst>
+              <a:ext uri="{FF2B5EF4-FFF2-40B4-BE49-F238E27FC236}">
+                <a16:creationId xmlns:a16="http://schemas.microsoft.com/office/drawing/2014/main" id="{B9DFB0A9-18CA-DE08-0F63-2DD2A6EDDD08}"/>
+              </a:ext>
+            </a:extLst>
+          </p:cNvPr>
+          <p:cNvSpPr>
+            <a:spLocks noGrp="1"/>
+          </p:cNvSpPr>
+          <p:nvPr>
+            <p:ph type="title"/>
+          </p:nvPr>
+        </p:nvSpPr>
+        <p:spPr/>
+        <p:txBody>
+          <a:bodyPr/>
+          <a:lstStyle/>
+          <a:p>
+            <a:r>
+              <a:rPr lang="en-US" altLang="ko-KR" dirty="0"/>
+              <a:t>Kit_Demo2</a:t>
+            </a:r>
+            <a:endParaRPr lang="ko-KR" altLang="en-US" dirty="0"/>
+          </a:p>
+        </p:txBody>
+      </p:sp>
+      <p:grpSp>
+        <p:nvGrpSpPr>
+          <p:cNvPr id="3" name="그룹 2">
+            <a:extLst>
+              <a:ext uri="{FF2B5EF4-FFF2-40B4-BE49-F238E27FC236}">
+                <a16:creationId xmlns:a16="http://schemas.microsoft.com/office/drawing/2014/main" id="{57724937-CEF5-77EB-C416-F034F74B28C3}"/>
+              </a:ext>
+            </a:extLst>
+          </p:cNvPr>
+          <p:cNvGrpSpPr/>
+          <p:nvPr/>
+        </p:nvGrpSpPr>
+        <p:grpSpPr>
+          <a:xfrm>
+            <a:off x="711200" y="1550603"/>
+            <a:ext cx="10297961" cy="1284037"/>
+            <a:chOff x="260234" y="2353112"/>
+            <a:chExt cx="10297961" cy="2044397"/>
+          </a:xfrm>
+        </p:grpSpPr>
+        <p:sp>
+          <p:nvSpPr>
+            <p:cNvPr id="4" name="직사각형 3">
+              <a:extLst>
+                <a:ext uri="{FF2B5EF4-FFF2-40B4-BE49-F238E27FC236}">
+                  <a16:creationId xmlns:a16="http://schemas.microsoft.com/office/drawing/2014/main" id="{4242B918-C818-FE50-6160-8A6616507F96}"/>
+                </a:ext>
+              </a:extLst>
+            </p:cNvPr>
+            <p:cNvSpPr/>
+            <p:nvPr/>
+          </p:nvSpPr>
+          <p:spPr>
+            <a:xfrm>
+              <a:off x="260234" y="2353112"/>
+              <a:ext cx="10297961" cy="2044397"/>
+            </a:xfrm>
+            <a:prstGeom prst="rect">
+              <a:avLst/>
+            </a:prstGeom>
+            <a:solidFill>
+              <a:srgbClr val="012F6B"/>
+            </a:solidFill>
+            <a:ln>
+              <a:solidFill>
+                <a:schemeClr val="accent6"/>
+              </a:solidFill>
+            </a:ln>
+          </p:spPr>
+          <p:style>
+            <a:lnRef idx="0">
+              <a:scrgbClr r="0" g="0" b="0"/>
+            </a:lnRef>
+            <a:fillRef idx="0">
+              <a:scrgbClr r="0" g="0" b="0"/>
+            </a:fillRef>
+            <a:effectRef idx="0">
+              <a:scrgbClr r="0" g="0" b="0"/>
+            </a:effectRef>
+            <a:fontRef idx="minor">
+              <a:schemeClr val="lt1"/>
+            </a:fontRef>
+          </p:style>
+          <p:txBody>
+            <a:bodyPr vert="horz" wrap="none" lIns="91440" tIns="45720" rIns="91440" bIns="45720" numCol="1" rtlCol="0" anchor="t" anchorCtr="0" compatLnSpc="1">
+              <a:prstTxWarp prst="textNoShape">
+                <a:avLst/>
+              </a:prstTxWarp>
+            </a:bodyPr>
+            <a:lstStyle/>
+            <a:p>
+              <a:pPr algn="ctr"/>
+              <a:r>
+                <a:rPr lang="ko-KR" altLang="en-US" dirty="0">
+                  <a:ea typeface="현대하모니 M" panose="02020603020101020101"/>
+                </a:rPr>
+                <a:t>제품공급</a:t>
+              </a:r>
+            </a:p>
+          </p:txBody>
+        </p:sp>
+        <p:sp>
+          <p:nvSpPr>
+            <p:cNvPr id="5" name="타원 4">
+              <a:extLst>
+                <a:ext uri="{FF2B5EF4-FFF2-40B4-BE49-F238E27FC236}">
+                  <a16:creationId xmlns:a16="http://schemas.microsoft.com/office/drawing/2014/main" id="{89A8ABFF-B3BA-2008-6DC2-3E954A2AE488}"/>
+                </a:ext>
+              </a:extLst>
+            </p:cNvPr>
+            <p:cNvSpPr/>
+            <p:nvPr/>
+          </p:nvSpPr>
+          <p:spPr>
+            <a:xfrm>
+              <a:off x="1131205" y="3118411"/>
+              <a:ext cx="1600894" cy="795487"/>
+            </a:xfrm>
+            <a:prstGeom prst="ellipse">
+              <a:avLst/>
+            </a:prstGeom>
+            <a:solidFill>
+              <a:schemeClr val="accent5">
+                <a:lumMod val="75000"/>
+              </a:schemeClr>
+            </a:solidFill>
+          </p:spPr>
+          <p:style>
+            <a:lnRef idx="2">
+              <a:schemeClr val="accent1">
+                <a:shade val="50000"/>
+              </a:schemeClr>
+            </a:lnRef>
+            <a:fillRef idx="1">
+              <a:schemeClr val="accent1"/>
+            </a:fillRef>
+            <a:effectRef idx="0">
+              <a:schemeClr val="accent1"/>
+            </a:effectRef>
+            <a:fontRef idx="minor">
+              <a:schemeClr val="lt1"/>
+            </a:fontRef>
+          </p:style>
+          <p:txBody>
+            <a:bodyPr lIns="0" tIns="0" rIns="0" bIns="0" rtlCol="0" anchor="t">
+              <a:normAutofit/>
+            </a:bodyPr>
+            <a:lstStyle/>
+            <a:p>
+              <a:pPr algn="ctr"/>
+              <a:r>
+                <a:rPr lang="en-US" altLang="ko-KR" sz="1100" dirty="0" err="1"/>
+                <a:t>Rear_Con_W</a:t>
+              </a:r>
+              <a:r>
+                <a:rPr lang="en-US" altLang="ko-KR" sz="1100" dirty="0"/>
+                <a:t>[1,0]</a:t>
+              </a:r>
+              <a:endParaRPr lang="ko-KR" altLang="en-US" sz="1100" dirty="0"/>
+            </a:p>
+          </p:txBody>
+        </p:sp>
+        <p:sp>
+          <p:nvSpPr>
+            <p:cNvPr id="6" name="타원 5">
+              <a:extLst>
+                <a:ext uri="{FF2B5EF4-FFF2-40B4-BE49-F238E27FC236}">
+                  <a16:creationId xmlns:a16="http://schemas.microsoft.com/office/drawing/2014/main" id="{BD655477-89A0-9A04-4804-84BFE324B9A3}"/>
+                </a:ext>
+              </a:extLst>
+            </p:cNvPr>
+            <p:cNvSpPr/>
+            <p:nvPr/>
+          </p:nvSpPr>
+          <p:spPr>
+            <a:xfrm>
+              <a:off x="5409215" y="3132907"/>
+              <a:ext cx="1913501" cy="795487"/>
+            </a:xfrm>
+            <a:prstGeom prst="ellipse">
+              <a:avLst/>
+            </a:prstGeom>
+            <a:solidFill>
+              <a:schemeClr val="accent5">
+                <a:lumMod val="75000"/>
+              </a:schemeClr>
+            </a:solidFill>
+          </p:spPr>
+          <p:style>
+            <a:lnRef idx="2">
+              <a:schemeClr val="accent1">
+                <a:shade val="50000"/>
+              </a:schemeClr>
+            </a:lnRef>
+            <a:fillRef idx="1">
+              <a:schemeClr val="accent1"/>
+            </a:fillRef>
+            <a:effectRef idx="0">
+              <a:schemeClr val="accent1"/>
+            </a:effectRef>
+            <a:fontRef idx="minor">
+              <a:schemeClr val="lt1"/>
+            </a:fontRef>
+          </p:style>
+          <p:txBody>
+            <a:bodyPr lIns="0" tIns="0" rIns="0" bIns="0" rtlCol="0" anchor="t">
+              <a:normAutofit/>
+            </a:bodyPr>
+            <a:lstStyle/>
+            <a:p>
+              <a:pPr algn="ctr"/>
+              <a:r>
+                <a:rPr lang="en-US" altLang="ko-KR" sz="1100" dirty="0" err="1"/>
+                <a:t>Rear_Cyl_Push_ADV</a:t>
+              </a:r>
+              <a:endParaRPr lang="ko-KR" altLang="en-US" sz="1100" dirty="0"/>
+            </a:p>
+          </p:txBody>
+        </p:sp>
+        <p:sp>
+          <p:nvSpPr>
+            <p:cNvPr id="7" name="타원 6">
+              <a:extLst>
+                <a:ext uri="{FF2B5EF4-FFF2-40B4-BE49-F238E27FC236}">
+                  <a16:creationId xmlns:a16="http://schemas.microsoft.com/office/drawing/2014/main" id="{8B747D5B-1544-27DB-C098-A537E4B804D4}"/>
+                </a:ext>
+              </a:extLst>
+            </p:cNvPr>
+            <p:cNvSpPr/>
+            <p:nvPr/>
+          </p:nvSpPr>
+          <p:spPr>
+            <a:xfrm>
+              <a:off x="8151640" y="3297697"/>
+              <a:ext cx="1952844" cy="795487"/>
+            </a:xfrm>
+            <a:prstGeom prst="ellipse">
+              <a:avLst/>
+            </a:prstGeom>
+            <a:solidFill>
+              <a:schemeClr val="accent5">
+                <a:lumMod val="75000"/>
+              </a:schemeClr>
+            </a:solidFill>
+          </p:spPr>
+          <p:style>
+            <a:lnRef idx="2">
+              <a:schemeClr val="accent1">
+                <a:shade val="50000"/>
+              </a:schemeClr>
+            </a:lnRef>
+            <a:fillRef idx="1">
+              <a:schemeClr val="accent1"/>
+            </a:fillRef>
+            <a:effectRef idx="0">
+              <a:schemeClr val="accent1"/>
+            </a:effectRef>
+            <a:fontRef idx="minor">
+              <a:schemeClr val="lt1"/>
+            </a:fontRef>
+          </p:style>
+          <p:txBody>
+            <a:bodyPr lIns="0" tIns="0" rIns="0" bIns="0" rtlCol="0" anchor="t">
+              <a:normAutofit/>
+            </a:bodyPr>
+            <a:lstStyle/>
+            <a:p>
+              <a:pPr algn="ctr"/>
+              <a:r>
+                <a:rPr lang="en-US" altLang="ko-KR" sz="1100" dirty="0" err="1"/>
+                <a:t>Rear_Cyl_Push_RET</a:t>
+              </a:r>
+              <a:endParaRPr lang="ko-KR" altLang="en-US" sz="1100" dirty="0"/>
+            </a:p>
+          </p:txBody>
+        </p:sp>
+        <p:cxnSp>
+          <p:nvCxnSpPr>
+            <p:cNvPr id="8" name="직선 화살표 연결선 7">
+              <a:extLst>
+                <a:ext uri="{FF2B5EF4-FFF2-40B4-BE49-F238E27FC236}">
+                  <a16:creationId xmlns:a16="http://schemas.microsoft.com/office/drawing/2014/main" id="{C621C321-137F-0849-F499-76F6EDC6750D}"/>
+                </a:ext>
+              </a:extLst>
+            </p:cNvPr>
+            <p:cNvCxnSpPr>
+              <a:cxnSpLocks/>
+              <a:stCxn id="5" idx="6"/>
+              <a:endCxn id="11" idx="2"/>
+            </p:cNvCxnSpPr>
+            <p:nvPr/>
+          </p:nvCxnSpPr>
+          <p:spPr>
+            <a:xfrm>
+              <a:off x="2732099" y="3516155"/>
+              <a:ext cx="632974" cy="214120"/>
+            </a:xfrm>
+            <a:prstGeom prst="straightConnector1">
+              <a:avLst/>
+            </a:prstGeom>
+            <a:ln>
+              <a:tailEnd type="triangle"/>
+            </a:ln>
+          </p:spPr>
+          <p:style>
+            <a:lnRef idx="1">
+              <a:schemeClr val="accent1"/>
+            </a:lnRef>
+            <a:fillRef idx="0">
+              <a:schemeClr val="accent1"/>
+            </a:fillRef>
+            <a:effectRef idx="0">
+              <a:schemeClr val="accent1"/>
+            </a:effectRef>
+            <a:fontRef idx="minor">
+              <a:schemeClr val="tx1"/>
+            </a:fontRef>
+          </p:style>
+        </p:cxnSp>
+        <p:cxnSp>
+          <p:nvCxnSpPr>
+            <p:cNvPr id="9" name="직선 화살표 연결선 8">
+              <a:extLst>
+                <a:ext uri="{FF2B5EF4-FFF2-40B4-BE49-F238E27FC236}">
+                  <a16:creationId xmlns:a16="http://schemas.microsoft.com/office/drawing/2014/main" id="{84D874A6-829B-6384-C3E4-FF9F7D03DF20}"/>
+                </a:ext>
+              </a:extLst>
+            </p:cNvPr>
+            <p:cNvCxnSpPr>
+              <a:cxnSpLocks/>
+              <a:stCxn id="6" idx="6"/>
+              <a:endCxn id="7" idx="2"/>
+            </p:cNvCxnSpPr>
+            <p:nvPr/>
+          </p:nvCxnSpPr>
+          <p:spPr>
+            <a:xfrm>
+              <a:off x="7322716" y="3530651"/>
+              <a:ext cx="828924" cy="164790"/>
+            </a:xfrm>
+            <a:prstGeom prst="straightConnector1">
+              <a:avLst/>
+            </a:prstGeom>
+            <a:ln>
+              <a:tailEnd type="triangle"/>
+            </a:ln>
+          </p:spPr>
+          <p:style>
+            <a:lnRef idx="1">
+              <a:schemeClr val="accent1"/>
+            </a:lnRef>
+            <a:fillRef idx="0">
+              <a:schemeClr val="accent1"/>
+            </a:fillRef>
+            <a:effectRef idx="0">
+              <a:schemeClr val="accent1"/>
+            </a:effectRef>
+            <a:fontRef idx="minor">
+              <a:schemeClr val="tx1"/>
+            </a:fontRef>
+          </p:style>
+        </p:cxnSp>
+        <p:cxnSp>
+          <p:nvCxnSpPr>
+            <p:cNvPr id="10" name="연결선: 꺾임 9">
+              <a:extLst>
+                <a:ext uri="{FF2B5EF4-FFF2-40B4-BE49-F238E27FC236}">
+                  <a16:creationId xmlns:a16="http://schemas.microsoft.com/office/drawing/2014/main" id="{8CE4F385-34DA-1A8F-BF82-62455F81FB7C}"/>
+                </a:ext>
+              </a:extLst>
+            </p:cNvPr>
+            <p:cNvCxnSpPr>
+              <a:cxnSpLocks/>
+              <a:stCxn id="7" idx="4"/>
+              <a:endCxn id="6" idx="4"/>
+            </p:cNvCxnSpPr>
+            <p:nvPr/>
+          </p:nvCxnSpPr>
+          <p:spPr>
+            <a:xfrm rot="5400000" flipH="1">
+              <a:off x="7664619" y="2629741"/>
+              <a:ext cx="164790" cy="2762096"/>
+            </a:xfrm>
+            <a:prstGeom prst="bentConnector3">
+              <a:avLst>
+                <a:gd name="adj1" fmla="val -138722"/>
+              </a:avLst>
+            </a:prstGeom>
+            <a:ln>
+              <a:prstDash val="dash"/>
+              <a:headEnd type="triangle"/>
+              <a:tailEnd type="triangle"/>
+            </a:ln>
+          </p:spPr>
+          <p:style>
+            <a:lnRef idx="1">
+              <a:schemeClr val="accent1"/>
+            </a:lnRef>
+            <a:fillRef idx="0">
+              <a:schemeClr val="accent1"/>
+            </a:fillRef>
+            <a:effectRef idx="0">
+              <a:schemeClr val="accent1"/>
+            </a:effectRef>
+            <a:fontRef idx="minor">
+              <a:schemeClr val="tx1"/>
+            </a:fontRef>
+          </p:style>
+        </p:cxnSp>
+        <p:sp>
+          <p:nvSpPr>
+            <p:cNvPr id="11" name="타원 10">
+              <a:extLst>
+                <a:ext uri="{FF2B5EF4-FFF2-40B4-BE49-F238E27FC236}">
+                  <a16:creationId xmlns:a16="http://schemas.microsoft.com/office/drawing/2014/main" id="{2D736CBB-425C-C84E-A5C9-609A11FF8688}"/>
+                </a:ext>
+              </a:extLst>
+            </p:cNvPr>
+            <p:cNvSpPr/>
+            <p:nvPr/>
+          </p:nvSpPr>
+          <p:spPr>
+            <a:xfrm>
+              <a:off x="3365073" y="3332531"/>
+              <a:ext cx="1564366" cy="795487"/>
+            </a:xfrm>
+            <a:prstGeom prst="ellipse">
+              <a:avLst/>
+            </a:prstGeom>
+            <a:solidFill>
+              <a:schemeClr val="accent5">
+                <a:lumMod val="75000"/>
+              </a:schemeClr>
+            </a:solidFill>
+          </p:spPr>
+          <p:style>
+            <a:lnRef idx="2">
+              <a:schemeClr val="accent1">
+                <a:shade val="50000"/>
+              </a:schemeClr>
+            </a:lnRef>
+            <a:fillRef idx="1">
+              <a:schemeClr val="accent1"/>
+            </a:fillRef>
+            <a:effectRef idx="0">
+              <a:schemeClr val="accent1"/>
+            </a:effectRef>
+            <a:fontRef idx="minor">
+              <a:schemeClr val="lt1"/>
+            </a:fontRef>
+          </p:style>
+          <p:txBody>
+            <a:bodyPr lIns="0" tIns="0" rIns="0" bIns="0" rtlCol="0" anchor="t">
+              <a:normAutofit/>
+            </a:bodyPr>
+            <a:lstStyle/>
+            <a:p>
+              <a:pPr algn="ctr"/>
+              <a:r>
+                <a:rPr lang="en-US" altLang="ko-KR" sz="1100" dirty="0" err="1"/>
+                <a:t>Rear_Pos_Sen</a:t>
+              </a:r>
+              <a:r>
+                <a:rPr lang="en-US" altLang="ko-KR" sz="1100" dirty="0"/>
+                <a:t>[0,1]</a:t>
+              </a:r>
+              <a:endParaRPr lang="ko-KR" altLang="en-US" sz="1100" dirty="0"/>
+            </a:p>
+          </p:txBody>
+        </p:sp>
+        <p:cxnSp>
+          <p:nvCxnSpPr>
+            <p:cNvPr id="12" name="직선 화살표 연결선 11">
+              <a:extLst>
+                <a:ext uri="{FF2B5EF4-FFF2-40B4-BE49-F238E27FC236}">
+                  <a16:creationId xmlns:a16="http://schemas.microsoft.com/office/drawing/2014/main" id="{408D6056-7ABF-4F84-15ED-FFF5783CF0E1}"/>
+                </a:ext>
+              </a:extLst>
+            </p:cNvPr>
+            <p:cNvCxnSpPr>
+              <a:cxnSpLocks/>
+              <a:stCxn id="11" idx="6"/>
+              <a:endCxn id="6" idx="2"/>
+            </p:cNvCxnSpPr>
+            <p:nvPr/>
+          </p:nvCxnSpPr>
+          <p:spPr>
+            <a:xfrm flipV="1">
+              <a:off x="4929439" y="3530651"/>
+              <a:ext cx="479776" cy="199624"/>
+            </a:xfrm>
+            <a:prstGeom prst="straightConnector1">
+              <a:avLst/>
+            </a:prstGeom>
+            <a:ln>
+              <a:tailEnd type="triangle"/>
+            </a:ln>
+          </p:spPr>
+          <p:style>
+            <a:lnRef idx="1">
+              <a:schemeClr val="accent1"/>
+            </a:lnRef>
+            <a:fillRef idx="0">
+              <a:schemeClr val="accent1"/>
+            </a:fillRef>
+            <a:effectRef idx="0">
+              <a:schemeClr val="accent1"/>
+            </a:effectRef>
+            <a:fontRef idx="minor">
+              <a:schemeClr val="tx1"/>
+            </a:fontRef>
+          </p:style>
+        </p:cxnSp>
+      </p:grpSp>
+      <p:grpSp>
+        <p:nvGrpSpPr>
+          <p:cNvPr id="13" name="그룹 12">
+            <a:extLst>
+              <a:ext uri="{FF2B5EF4-FFF2-40B4-BE49-F238E27FC236}">
+                <a16:creationId xmlns:a16="http://schemas.microsoft.com/office/drawing/2014/main" id="{E7741BB6-C76C-3238-3F9D-18C4477E35FE}"/>
+              </a:ext>
+            </a:extLst>
+          </p:cNvPr>
+          <p:cNvGrpSpPr/>
+          <p:nvPr/>
+        </p:nvGrpSpPr>
+        <p:grpSpPr>
+          <a:xfrm>
+            <a:off x="568923" y="3175221"/>
+            <a:ext cx="11460553" cy="1637045"/>
+            <a:chOff x="586302" y="1690688"/>
+            <a:chExt cx="11460553" cy="2454552"/>
+          </a:xfrm>
+        </p:grpSpPr>
+        <p:grpSp>
+          <p:nvGrpSpPr>
+            <p:cNvPr id="14" name="그룹 13">
+              <a:extLst>
+                <a:ext uri="{FF2B5EF4-FFF2-40B4-BE49-F238E27FC236}">
+                  <a16:creationId xmlns:a16="http://schemas.microsoft.com/office/drawing/2014/main" id="{28651878-5AEE-EE19-220B-3E6AD321D13A}"/>
+                </a:ext>
+              </a:extLst>
+            </p:cNvPr>
+            <p:cNvGrpSpPr/>
+            <p:nvPr/>
+          </p:nvGrpSpPr>
+          <p:grpSpPr>
+            <a:xfrm>
+              <a:off x="586302" y="1690688"/>
+              <a:ext cx="11460553" cy="2454552"/>
+              <a:chOff x="586302" y="1690688"/>
+              <a:chExt cx="11460553" cy="1923717"/>
+            </a:xfrm>
+          </p:grpSpPr>
+          <p:grpSp>
+            <p:nvGrpSpPr>
+              <p:cNvPr id="17" name="그룹 16">
+                <a:extLst>
+                  <a:ext uri="{FF2B5EF4-FFF2-40B4-BE49-F238E27FC236}">
+                    <a16:creationId xmlns:a16="http://schemas.microsoft.com/office/drawing/2014/main" id="{0F1CADCE-293C-B001-8607-7C654CB886F3}"/>
+                  </a:ext>
+                </a:extLst>
+              </p:cNvPr>
+              <p:cNvGrpSpPr/>
+              <p:nvPr/>
+            </p:nvGrpSpPr>
+            <p:grpSpPr>
+              <a:xfrm>
+                <a:off x="586302" y="1690688"/>
+                <a:ext cx="11460553" cy="1923717"/>
+                <a:chOff x="586302" y="1690688"/>
+                <a:chExt cx="10999075" cy="1923717"/>
+              </a:xfrm>
+            </p:grpSpPr>
+            <p:sp>
+              <p:nvSpPr>
+                <p:cNvPr id="24" name="직사각형 23">
+                  <a:extLst>
+                    <a:ext uri="{FF2B5EF4-FFF2-40B4-BE49-F238E27FC236}">
+                      <a16:creationId xmlns:a16="http://schemas.microsoft.com/office/drawing/2014/main" id="{5C18BC6F-F732-B170-6766-9BE774A419D8}"/>
+                    </a:ext>
+                  </a:extLst>
+                </p:cNvPr>
+                <p:cNvSpPr/>
+                <p:nvPr/>
+              </p:nvSpPr>
+              <p:spPr>
+                <a:xfrm>
+                  <a:off x="586302" y="1690688"/>
+                  <a:ext cx="10999075" cy="1923717"/>
+                </a:xfrm>
+                <a:prstGeom prst="rect">
+                  <a:avLst/>
+                </a:prstGeom>
+                <a:solidFill>
+                  <a:srgbClr val="012F6B"/>
+                </a:solidFill>
+                <a:ln>
+                  <a:solidFill>
+                    <a:schemeClr val="accent6"/>
+                  </a:solidFill>
+                </a:ln>
+              </p:spPr>
+              <p:style>
+                <a:lnRef idx="0">
+                  <a:scrgbClr r="0" g="0" b="0"/>
+                </a:lnRef>
+                <a:fillRef idx="0">
+                  <a:scrgbClr r="0" g="0" b="0"/>
+                </a:fillRef>
+                <a:effectRef idx="0">
+                  <a:scrgbClr r="0" g="0" b="0"/>
+                </a:effectRef>
+                <a:fontRef idx="minor">
+                  <a:schemeClr val="lt1"/>
+                </a:fontRef>
+              </p:style>
+              <p:txBody>
+                <a:bodyPr vert="horz" wrap="none" lIns="91440" tIns="45720" rIns="91440" bIns="45720" numCol="1" rtlCol="0" anchor="t" anchorCtr="0" compatLnSpc="1">
+                  <a:prstTxWarp prst="textNoShape">
+                    <a:avLst/>
+                  </a:prstTxWarp>
+                </a:bodyPr>
+                <a:lstStyle/>
+                <a:p>
+                  <a:pPr algn="ctr"/>
+                  <a:r>
+                    <a:rPr lang="ko-KR" altLang="en-US" dirty="0">
+                      <a:ea typeface="현대하모니 M" panose="02020603020101020101"/>
+                    </a:rPr>
+                    <a:t>작업공정</a:t>
+                  </a:r>
+                </a:p>
+              </p:txBody>
+            </p:sp>
+            <p:sp>
+              <p:nvSpPr>
+                <p:cNvPr id="25" name="타원 24">
+                  <a:extLst>
+                    <a:ext uri="{FF2B5EF4-FFF2-40B4-BE49-F238E27FC236}">
+                      <a16:creationId xmlns:a16="http://schemas.microsoft.com/office/drawing/2014/main" id="{13980383-08AE-38A8-7206-DFED9387F0BE}"/>
+                    </a:ext>
+                  </a:extLst>
+                </p:cNvPr>
+                <p:cNvSpPr/>
+                <p:nvPr/>
+              </p:nvSpPr>
+              <p:spPr>
+                <a:xfrm>
+                  <a:off x="769537" y="2188036"/>
+                  <a:ext cx="977875" cy="524833"/>
+                </a:xfrm>
+                <a:prstGeom prst="ellipse">
+                  <a:avLst/>
+                </a:prstGeom>
+                <a:solidFill>
+                  <a:schemeClr val="accent5">
+                    <a:lumMod val="75000"/>
+                  </a:schemeClr>
+                </a:solidFill>
+              </p:spPr>
+              <p:style>
+                <a:lnRef idx="2">
+                  <a:schemeClr val="accent1">
+                    <a:shade val="50000"/>
+                  </a:schemeClr>
+                </a:lnRef>
+                <a:fillRef idx="1">
+                  <a:schemeClr val="accent1"/>
+                </a:fillRef>
+                <a:effectRef idx="0">
+                  <a:schemeClr val="accent1"/>
+                </a:effectRef>
+                <a:fontRef idx="minor">
+                  <a:schemeClr val="lt1"/>
+                </a:fontRef>
+              </p:style>
+              <p:txBody>
+                <a:bodyPr lIns="0" tIns="0" rIns="0" bIns="0" rtlCol="0" anchor="t">
+                  <a:normAutofit lnSpcReduction="10000"/>
+                </a:bodyPr>
+                <a:lstStyle/>
+                <a:p>
+                  <a:pPr algn="ctr"/>
+                  <a:r>
+                    <a:rPr lang="en-US" altLang="ko-KR" sz="1100" dirty="0" err="1"/>
+                    <a:t>Front_Pos_Sen</a:t>
+                  </a:r>
+                  <a:r>
+                    <a:rPr lang="en-US" altLang="ko-KR" sz="1100" dirty="0"/>
+                    <a:t>[0,1]</a:t>
+                  </a:r>
+                  <a:endParaRPr lang="ko-KR" altLang="en-US" sz="1100" dirty="0"/>
+                </a:p>
+              </p:txBody>
+            </p:sp>
+            <p:sp>
+              <p:nvSpPr>
+                <p:cNvPr id="26" name="타원 25">
+                  <a:extLst>
+                    <a:ext uri="{FF2B5EF4-FFF2-40B4-BE49-F238E27FC236}">
+                      <a16:creationId xmlns:a16="http://schemas.microsoft.com/office/drawing/2014/main" id="{BE48CF72-909E-16D0-8796-58DCB476299F}"/>
+                    </a:ext>
+                  </a:extLst>
+                </p:cNvPr>
+                <p:cNvSpPr/>
+                <p:nvPr/>
+              </p:nvSpPr>
+              <p:spPr>
+                <a:xfrm>
+                  <a:off x="1915677" y="2170279"/>
+                  <a:ext cx="887930" cy="524833"/>
+                </a:xfrm>
+                <a:prstGeom prst="ellipse">
+                  <a:avLst/>
+                </a:prstGeom>
+                <a:solidFill>
+                  <a:schemeClr val="accent5">
+                    <a:lumMod val="75000"/>
+                  </a:schemeClr>
+                </a:solidFill>
+              </p:spPr>
+              <p:style>
+                <a:lnRef idx="2">
+                  <a:schemeClr val="accent1">
+                    <a:shade val="50000"/>
+                  </a:schemeClr>
+                </a:lnRef>
+                <a:fillRef idx="1">
+                  <a:schemeClr val="accent1"/>
+                </a:fillRef>
+                <a:effectRef idx="0">
+                  <a:schemeClr val="accent1"/>
+                </a:effectRef>
+                <a:fontRef idx="minor">
+                  <a:schemeClr val="lt1"/>
+                </a:fontRef>
+              </p:style>
+              <p:txBody>
+                <a:bodyPr lIns="0" tIns="0" rIns="0" bIns="0" rtlCol="0" anchor="t">
+                  <a:normAutofit lnSpcReduction="10000"/>
+                </a:bodyPr>
+                <a:lstStyle/>
+                <a:p>
+                  <a:pPr algn="ctr"/>
+                  <a:r>
+                    <a:rPr lang="en-US" altLang="ko-KR" sz="1100" dirty="0" err="1"/>
+                    <a:t>Front_Con_W</a:t>
+                  </a:r>
+                  <a:r>
+                    <a:rPr lang="en-US" altLang="ko-KR" sz="1100" dirty="0"/>
+                    <a:t>[1,0]</a:t>
+                  </a:r>
+                  <a:endParaRPr lang="ko-KR" altLang="en-US" sz="1100" dirty="0"/>
+                </a:p>
+              </p:txBody>
+            </p:sp>
+            <p:sp>
+              <p:nvSpPr>
+                <p:cNvPr id="27" name="타원 26">
+                  <a:extLst>
+                    <a:ext uri="{FF2B5EF4-FFF2-40B4-BE49-F238E27FC236}">
+                      <a16:creationId xmlns:a16="http://schemas.microsoft.com/office/drawing/2014/main" id="{01BB3789-BFA2-ED6F-F56C-6973FBF4C888}"/>
+                    </a:ext>
+                  </a:extLst>
+                </p:cNvPr>
+                <p:cNvSpPr/>
+                <p:nvPr/>
+              </p:nvSpPr>
+              <p:spPr>
+                <a:xfrm>
+                  <a:off x="3042347" y="2196839"/>
+                  <a:ext cx="1387148" cy="465954"/>
+                </a:xfrm>
+                <a:prstGeom prst="ellipse">
+                  <a:avLst/>
+                </a:prstGeom>
+                <a:solidFill>
+                  <a:schemeClr val="accent5">
+                    <a:lumMod val="75000"/>
+                  </a:schemeClr>
+                </a:solidFill>
+              </p:spPr>
+              <p:style>
+                <a:lnRef idx="2">
+                  <a:schemeClr val="accent1">
+                    <a:shade val="50000"/>
+                  </a:schemeClr>
+                </a:lnRef>
+                <a:fillRef idx="1">
+                  <a:schemeClr val="accent1"/>
+                </a:fillRef>
+                <a:effectRef idx="0">
+                  <a:schemeClr val="accent1"/>
+                </a:effectRef>
+                <a:fontRef idx="minor">
+                  <a:schemeClr val="lt1"/>
+                </a:fontRef>
+              </p:style>
+              <p:txBody>
+                <a:bodyPr lIns="0" tIns="0" rIns="0" bIns="0" rtlCol="0" anchor="t">
+                  <a:normAutofit fontScale="92500" lnSpcReduction="10000"/>
+                </a:bodyPr>
+                <a:lstStyle/>
+                <a:p>
+                  <a:pPr algn="ctr"/>
+                  <a:r>
+                    <a:rPr lang="en-US" altLang="ko-KR" sz="1100" dirty="0"/>
+                    <a:t>Front_1Stopper_Adv</a:t>
+                  </a:r>
+                  <a:endParaRPr lang="ko-KR" altLang="en-US" sz="1100" dirty="0"/>
+                </a:p>
+              </p:txBody>
+            </p:sp>
+            <p:cxnSp>
+              <p:nvCxnSpPr>
+                <p:cNvPr id="28" name="직선 화살표 연결선 27">
+                  <a:extLst>
+                    <a:ext uri="{FF2B5EF4-FFF2-40B4-BE49-F238E27FC236}">
+                      <a16:creationId xmlns:a16="http://schemas.microsoft.com/office/drawing/2014/main" id="{43B97F31-C16C-5C82-612D-EE39502E06EB}"/>
+                    </a:ext>
+                  </a:extLst>
+                </p:cNvPr>
+                <p:cNvCxnSpPr>
+                  <a:cxnSpLocks/>
+                  <a:stCxn id="25" idx="6"/>
+                  <a:endCxn id="26" idx="2"/>
+                </p:cNvCxnSpPr>
+                <p:nvPr/>
+              </p:nvCxnSpPr>
+              <p:spPr>
+                <a:xfrm flipV="1">
+                  <a:off x="1747412" y="2432696"/>
+                  <a:ext cx="168264" cy="17757"/>
+                </a:xfrm>
+                <a:prstGeom prst="straightConnector1">
+                  <a:avLst/>
+                </a:prstGeom>
+                <a:ln>
+                  <a:tailEnd type="triangle"/>
+                </a:ln>
+              </p:spPr>
+              <p:style>
+                <a:lnRef idx="1">
+                  <a:schemeClr val="accent1"/>
+                </a:lnRef>
+                <a:fillRef idx="0">
+                  <a:schemeClr val="accent1"/>
+                </a:fillRef>
+                <a:effectRef idx="0">
+                  <a:schemeClr val="accent1"/>
+                </a:effectRef>
+                <a:fontRef idx="minor">
+                  <a:schemeClr val="tx1"/>
+                </a:fontRef>
+              </p:style>
+            </p:cxnSp>
+            <p:cxnSp>
+              <p:nvCxnSpPr>
+                <p:cNvPr id="29" name="직선 화살표 연결선 28">
+                  <a:extLst>
+                    <a:ext uri="{FF2B5EF4-FFF2-40B4-BE49-F238E27FC236}">
+                      <a16:creationId xmlns:a16="http://schemas.microsoft.com/office/drawing/2014/main" id="{A4C5B87D-ED3A-519F-E553-C9A70FEE7B36}"/>
+                    </a:ext>
+                  </a:extLst>
+                </p:cNvPr>
+                <p:cNvCxnSpPr>
+                  <a:cxnSpLocks/>
+                  <a:stCxn id="26" idx="6"/>
+                  <a:endCxn id="27" idx="2"/>
+                </p:cNvCxnSpPr>
+                <p:nvPr/>
+              </p:nvCxnSpPr>
+              <p:spPr>
+                <a:xfrm flipV="1">
+                  <a:off x="2803607" y="2429816"/>
+                  <a:ext cx="238740" cy="2879"/>
+                </a:xfrm>
+                <a:prstGeom prst="straightConnector1">
+                  <a:avLst/>
+                </a:prstGeom>
+                <a:ln>
+                  <a:tailEnd type="triangle"/>
+                </a:ln>
+              </p:spPr>
+              <p:style>
+                <a:lnRef idx="1">
+                  <a:schemeClr val="accent1"/>
+                </a:lnRef>
+                <a:fillRef idx="0">
+                  <a:schemeClr val="accent1"/>
+                </a:fillRef>
+                <a:effectRef idx="0">
+                  <a:schemeClr val="accent1"/>
+                </a:effectRef>
+                <a:fontRef idx="minor">
+                  <a:schemeClr val="tx1"/>
+                </a:fontRef>
+              </p:style>
+            </p:cxnSp>
+            <p:sp>
+              <p:nvSpPr>
+                <p:cNvPr id="30" name="타원 29">
+                  <a:extLst>
+                    <a:ext uri="{FF2B5EF4-FFF2-40B4-BE49-F238E27FC236}">
+                      <a16:creationId xmlns:a16="http://schemas.microsoft.com/office/drawing/2014/main" id="{5AA528F7-0EE7-C014-6FCC-F70B7A1E778C}"/>
+                    </a:ext>
+                  </a:extLst>
+                </p:cNvPr>
+                <p:cNvSpPr/>
+                <p:nvPr/>
+              </p:nvSpPr>
+              <p:spPr>
+                <a:xfrm>
+                  <a:off x="4694079" y="2196839"/>
+                  <a:ext cx="1055459" cy="465954"/>
+                </a:xfrm>
+                <a:prstGeom prst="ellipse">
+                  <a:avLst/>
+                </a:prstGeom>
+                <a:solidFill>
+                  <a:schemeClr val="accent5">
+                    <a:lumMod val="75000"/>
+                  </a:schemeClr>
+                </a:solidFill>
+              </p:spPr>
+              <p:style>
+                <a:lnRef idx="2">
+                  <a:schemeClr val="accent1">
+                    <a:shade val="50000"/>
+                  </a:schemeClr>
+                </a:lnRef>
+                <a:fillRef idx="1">
+                  <a:schemeClr val="accent1"/>
+                </a:fillRef>
+                <a:effectRef idx="0">
+                  <a:schemeClr val="accent1"/>
+                </a:effectRef>
+                <a:fontRef idx="minor">
+                  <a:schemeClr val="lt1"/>
+                </a:fontRef>
+              </p:style>
+              <p:txBody>
+                <a:bodyPr lIns="0" tIns="0" rIns="0" bIns="0" rtlCol="0" anchor="t">
+                  <a:normAutofit fontScale="92500" lnSpcReduction="10000"/>
+                </a:bodyPr>
+                <a:lstStyle/>
+                <a:p>
+                  <a:pPr algn="ctr"/>
+                  <a:r>
+                    <a:rPr lang="en-US" altLang="ko-KR" sz="1100" dirty="0"/>
+                    <a:t>Front_1pos_Sen[0,1]</a:t>
+                  </a:r>
+                  <a:endParaRPr lang="ko-KR" altLang="en-US" sz="1100" dirty="0"/>
+                </a:p>
+                <a:p>
+                  <a:pPr algn="ctr"/>
+                  <a:endParaRPr lang="ko-KR" altLang="en-US" sz="1100" dirty="0"/>
+                </a:p>
+              </p:txBody>
+            </p:sp>
+            <p:cxnSp>
+              <p:nvCxnSpPr>
+                <p:cNvPr id="31" name="직선 화살표 연결선 30">
+                  <a:extLst>
+                    <a:ext uri="{FF2B5EF4-FFF2-40B4-BE49-F238E27FC236}">
+                      <a16:creationId xmlns:a16="http://schemas.microsoft.com/office/drawing/2014/main" id="{6B53F4BF-B19C-4C4E-4045-6441541744FC}"/>
+                    </a:ext>
+                  </a:extLst>
+                </p:cNvPr>
+                <p:cNvCxnSpPr>
+                  <a:cxnSpLocks/>
+                  <a:stCxn id="27" idx="6"/>
+                  <a:endCxn id="30" idx="2"/>
+                </p:cNvCxnSpPr>
+                <p:nvPr/>
+              </p:nvCxnSpPr>
+              <p:spPr>
+                <a:xfrm>
+                  <a:off x="4429495" y="2429816"/>
+                  <a:ext cx="264584" cy="0"/>
+                </a:xfrm>
+                <a:prstGeom prst="straightConnector1">
+                  <a:avLst/>
+                </a:prstGeom>
+                <a:ln>
+                  <a:tailEnd type="triangle"/>
+                </a:ln>
+              </p:spPr>
+              <p:style>
+                <a:lnRef idx="1">
+                  <a:schemeClr val="accent1"/>
+                </a:lnRef>
+                <a:fillRef idx="0">
+                  <a:schemeClr val="accent1"/>
+                </a:fillRef>
+                <a:effectRef idx="0">
+                  <a:schemeClr val="accent1"/>
+                </a:effectRef>
+                <a:fontRef idx="minor">
+                  <a:schemeClr val="tx1"/>
+                </a:fontRef>
+              </p:style>
+            </p:cxnSp>
+            <p:sp>
+              <p:nvSpPr>
+                <p:cNvPr id="32" name="타원 31">
+                  <a:extLst>
+                    <a:ext uri="{FF2B5EF4-FFF2-40B4-BE49-F238E27FC236}">
+                      <a16:creationId xmlns:a16="http://schemas.microsoft.com/office/drawing/2014/main" id="{389D8CDA-3AE6-007C-39FC-6D3076C74224}"/>
+                    </a:ext>
+                  </a:extLst>
+                </p:cNvPr>
+                <p:cNvSpPr/>
+                <p:nvPr/>
+              </p:nvSpPr>
+              <p:spPr>
+                <a:xfrm>
+                  <a:off x="5899648" y="2202489"/>
+                  <a:ext cx="1387149" cy="432347"/>
+                </a:xfrm>
+                <a:prstGeom prst="ellipse">
+                  <a:avLst/>
+                </a:prstGeom>
+                <a:solidFill>
+                  <a:schemeClr val="accent5">
+                    <a:lumMod val="75000"/>
+                  </a:schemeClr>
+                </a:solidFill>
+              </p:spPr>
+              <p:style>
+                <a:lnRef idx="2">
+                  <a:schemeClr val="accent1">
+                    <a:shade val="50000"/>
+                  </a:schemeClr>
+                </a:lnRef>
+                <a:fillRef idx="1">
+                  <a:schemeClr val="accent1"/>
+                </a:fillRef>
+                <a:effectRef idx="0">
+                  <a:schemeClr val="accent1"/>
+                </a:effectRef>
+                <a:fontRef idx="minor">
+                  <a:schemeClr val="lt1"/>
+                </a:fontRef>
+              </p:style>
+              <p:txBody>
+                <a:bodyPr lIns="0" tIns="0" rIns="0" bIns="0" rtlCol="0" anchor="t">
+                  <a:normAutofit fontScale="92500" lnSpcReduction="20000"/>
+                </a:bodyPr>
+                <a:lstStyle/>
+                <a:p>
+                  <a:pPr algn="ctr"/>
+                  <a:r>
+                    <a:rPr lang="en-US" altLang="ko-KR" sz="1100" dirty="0" err="1"/>
+                    <a:t>Front_Usb_Cyl_ADV</a:t>
+                  </a:r>
+                  <a:endParaRPr lang="ko-KR" altLang="en-US" sz="1100" dirty="0"/>
+                </a:p>
+              </p:txBody>
+            </p:sp>
+            <p:cxnSp>
+              <p:nvCxnSpPr>
+                <p:cNvPr id="33" name="직선 화살표 연결선 32">
+                  <a:extLst>
+                    <a:ext uri="{FF2B5EF4-FFF2-40B4-BE49-F238E27FC236}">
+                      <a16:creationId xmlns:a16="http://schemas.microsoft.com/office/drawing/2014/main" id="{F4821303-9C3C-6CD4-86EF-E0C0D219FAFE}"/>
+                    </a:ext>
+                  </a:extLst>
+                </p:cNvPr>
+                <p:cNvCxnSpPr>
+                  <a:cxnSpLocks/>
+                  <a:stCxn id="30" idx="6"/>
+                  <a:endCxn id="32" idx="2"/>
+                </p:cNvCxnSpPr>
+                <p:nvPr/>
+              </p:nvCxnSpPr>
+              <p:spPr>
+                <a:xfrm flipV="1">
+                  <a:off x="5749538" y="2418663"/>
+                  <a:ext cx="150110" cy="11153"/>
+                </a:xfrm>
+                <a:prstGeom prst="straightConnector1">
+                  <a:avLst/>
+                </a:prstGeom>
+                <a:ln>
+                  <a:tailEnd type="triangle"/>
+                </a:ln>
+              </p:spPr>
+              <p:style>
+                <a:lnRef idx="1">
+                  <a:schemeClr val="accent1"/>
+                </a:lnRef>
+                <a:fillRef idx="0">
+                  <a:schemeClr val="accent1"/>
+                </a:fillRef>
+                <a:effectRef idx="0">
+                  <a:schemeClr val="accent1"/>
+                </a:effectRef>
+                <a:fontRef idx="minor">
+                  <a:schemeClr val="tx1"/>
+                </a:fontRef>
+              </p:style>
+            </p:cxnSp>
+          </p:grpSp>
+          <p:sp>
+            <p:nvSpPr>
+              <p:cNvPr id="18" name="타원 17">
+                <a:extLst>
+                  <a:ext uri="{FF2B5EF4-FFF2-40B4-BE49-F238E27FC236}">
+                    <a16:creationId xmlns:a16="http://schemas.microsoft.com/office/drawing/2014/main" id="{43393C6D-789E-0663-065E-487C6150426E}"/>
+                  </a:ext>
+                </a:extLst>
+              </p:cNvPr>
+              <p:cNvSpPr/>
+              <p:nvPr/>
+            </p:nvSpPr>
+            <p:spPr>
+              <a:xfrm>
+                <a:off x="7906953" y="2982869"/>
+                <a:ext cx="1445348" cy="465954"/>
+              </a:xfrm>
+              <a:prstGeom prst="ellipse">
+                <a:avLst/>
+              </a:prstGeom>
+              <a:solidFill>
+                <a:schemeClr val="accent5">
+                  <a:lumMod val="75000"/>
+                </a:schemeClr>
+              </a:solidFill>
+            </p:spPr>
+            <p:style>
+              <a:lnRef idx="2">
+                <a:schemeClr val="accent1">
+                  <a:shade val="50000"/>
+                </a:schemeClr>
+              </a:lnRef>
+              <a:fillRef idx="1">
+                <a:schemeClr val="accent1"/>
+              </a:fillRef>
+              <a:effectRef idx="0">
+                <a:schemeClr val="accent1"/>
+              </a:effectRef>
+              <a:fontRef idx="minor">
+                <a:schemeClr val="lt1"/>
+              </a:fontRef>
+            </p:style>
+            <p:txBody>
+              <a:bodyPr lIns="0" tIns="0" rIns="0" bIns="0" rtlCol="0" anchor="t">
+                <a:normAutofit fontScale="92500" lnSpcReduction="10000"/>
+              </a:bodyPr>
+              <a:lstStyle/>
+              <a:p>
+                <a:pPr algn="ctr"/>
+                <a:r>
+                  <a:rPr lang="en-US" altLang="ko-KR" sz="1100" dirty="0" err="1"/>
+                  <a:t>Front_Usb_Cyl_RET</a:t>
+                </a:r>
+                <a:endParaRPr lang="ko-KR" altLang="en-US" sz="1100" dirty="0"/>
+              </a:p>
+            </p:txBody>
+          </p:sp>
+          <p:cxnSp>
+            <p:nvCxnSpPr>
+              <p:cNvPr id="19" name="연결선: 꺾임 18">
+                <a:extLst>
+                  <a:ext uri="{FF2B5EF4-FFF2-40B4-BE49-F238E27FC236}">
+                    <a16:creationId xmlns:a16="http://schemas.microsoft.com/office/drawing/2014/main" id="{E507E5A0-768B-48FB-E86C-D2C1B32BCDCF}"/>
+                  </a:ext>
+                </a:extLst>
+              </p:cNvPr>
+              <p:cNvCxnSpPr>
+                <a:cxnSpLocks/>
+                <a:stCxn id="32" idx="6"/>
+                <a:endCxn id="21" idx="1"/>
+              </p:cNvCxnSpPr>
+              <p:nvPr/>
+            </p:nvCxnSpPr>
+            <p:spPr>
+              <a:xfrm flipH="1">
+                <a:off x="6302769" y="2418663"/>
+                <a:ext cx="1265154" cy="797184"/>
+              </a:xfrm>
+              <a:prstGeom prst="bentConnector5">
+                <a:avLst>
+                  <a:gd name="adj1" fmla="val -18069"/>
+                  <a:gd name="adj2" fmla="val 50000"/>
+                  <a:gd name="adj3" fmla="val 118069"/>
+                </a:avLst>
+              </a:prstGeom>
+              <a:ln>
+                <a:tailEnd type="triangle"/>
+              </a:ln>
+            </p:spPr>
+            <p:style>
+              <a:lnRef idx="1">
+                <a:schemeClr val="accent1"/>
+              </a:lnRef>
+              <a:fillRef idx="0">
+                <a:schemeClr val="accent1"/>
+              </a:fillRef>
+              <a:effectRef idx="0">
+                <a:schemeClr val="accent1"/>
+              </a:effectRef>
+              <a:fontRef idx="minor">
+                <a:schemeClr val="tx1"/>
+              </a:fontRef>
+            </p:style>
+          </p:cxnSp>
+          <p:sp>
+            <p:nvSpPr>
+              <p:cNvPr id="20" name="타원 19">
+                <a:extLst>
+                  <a:ext uri="{FF2B5EF4-FFF2-40B4-BE49-F238E27FC236}">
+                    <a16:creationId xmlns:a16="http://schemas.microsoft.com/office/drawing/2014/main" id="{BC20924D-0C6D-E9C4-28B2-D0E73564D48B}"/>
+                  </a:ext>
+                </a:extLst>
+              </p:cNvPr>
+              <p:cNvSpPr/>
+              <p:nvPr/>
+            </p:nvSpPr>
+            <p:spPr>
+              <a:xfrm>
+                <a:off x="9617521" y="3025453"/>
+                <a:ext cx="1445349" cy="380783"/>
+              </a:xfrm>
+              <a:prstGeom prst="ellipse">
+                <a:avLst/>
+              </a:prstGeom>
+              <a:solidFill>
+                <a:schemeClr val="accent5">
+                  <a:lumMod val="75000"/>
+                </a:schemeClr>
+              </a:solidFill>
+            </p:spPr>
+            <p:style>
+              <a:lnRef idx="2">
+                <a:schemeClr val="accent1">
+                  <a:shade val="50000"/>
+                </a:schemeClr>
+              </a:lnRef>
+              <a:fillRef idx="1">
+                <a:schemeClr val="accent1"/>
+              </a:fillRef>
+              <a:effectRef idx="0">
+                <a:schemeClr val="accent1"/>
+              </a:effectRef>
+              <a:fontRef idx="minor">
+                <a:schemeClr val="lt1"/>
+              </a:fontRef>
+            </p:style>
+            <p:txBody>
+              <a:bodyPr lIns="0" tIns="0" rIns="0" bIns="0" rtlCol="0" anchor="t">
+                <a:normAutofit fontScale="85000" lnSpcReduction="20000"/>
+              </a:bodyPr>
+              <a:lstStyle/>
+              <a:p>
+                <a:pPr algn="ctr"/>
+                <a:r>
+                  <a:rPr lang="en-US" altLang="ko-KR" sz="1100" dirty="0"/>
+                  <a:t>Front_1Stopper_RET</a:t>
+                </a:r>
+                <a:endParaRPr lang="ko-KR" altLang="en-US" sz="1100" dirty="0"/>
+              </a:p>
+            </p:txBody>
+          </p:sp>
+          <p:sp>
+            <p:nvSpPr>
+              <p:cNvPr id="21" name="직사각형 20">
+                <a:extLst>
+                  <a:ext uri="{FF2B5EF4-FFF2-40B4-BE49-F238E27FC236}">
+                    <a16:creationId xmlns:a16="http://schemas.microsoft.com/office/drawing/2014/main" id="{761F61F6-04B4-8E66-917F-CB98198F1D91}"/>
+                  </a:ext>
+                </a:extLst>
+              </p:cNvPr>
+              <p:cNvSpPr/>
+              <p:nvPr/>
+            </p:nvSpPr>
+            <p:spPr>
+              <a:xfrm>
+                <a:off x="6302769" y="2999673"/>
+                <a:ext cx="1286394" cy="432349"/>
+              </a:xfrm>
+              <a:prstGeom prst="rect">
+                <a:avLst/>
+              </a:prstGeom>
+              <a:ln>
+                <a:prstDash val="dash"/>
+              </a:ln>
+            </p:spPr>
+            <p:style>
+              <a:lnRef idx="2">
+                <a:schemeClr val="accent1">
+                  <a:shade val="50000"/>
+                </a:schemeClr>
+              </a:lnRef>
+              <a:fillRef idx="1">
+                <a:schemeClr val="accent1"/>
+              </a:fillRef>
+              <a:effectRef idx="0">
+                <a:schemeClr val="accent1"/>
+              </a:effectRef>
+              <a:fontRef idx="minor">
+                <a:schemeClr val="lt1"/>
+              </a:fontRef>
+            </p:style>
+            <p:txBody>
+              <a:bodyPr rtlCol="0" anchor="ctr"/>
+              <a:lstStyle/>
+              <a:p>
+                <a:pPr algn="ctr"/>
+                <a:r>
+                  <a:rPr lang="en-US" altLang="ko-KR" dirty="0"/>
+                  <a:t>Robot1_1</a:t>
+                </a:r>
+                <a:r>
+                  <a:rPr lang="en-US" altLang="ko-KR" baseline="30000" dirty="0"/>
+                  <a:t>st</a:t>
+                </a:r>
+                <a:r>
+                  <a:rPr lang="en-US" altLang="ko-KR" dirty="0"/>
+                  <a:t>_work</a:t>
+                </a:r>
+              </a:p>
+            </p:txBody>
+          </p:sp>
+          <p:cxnSp>
+            <p:nvCxnSpPr>
+              <p:cNvPr id="22" name="직선 화살표 연결선 21">
+                <a:extLst>
+                  <a:ext uri="{FF2B5EF4-FFF2-40B4-BE49-F238E27FC236}">
+                    <a16:creationId xmlns:a16="http://schemas.microsoft.com/office/drawing/2014/main" id="{823A50BC-46F0-F648-F290-9F1D4FCFACFB}"/>
+                  </a:ext>
+                </a:extLst>
+              </p:cNvPr>
+              <p:cNvCxnSpPr>
+                <a:cxnSpLocks/>
+                <a:stCxn id="21" idx="3"/>
+                <a:endCxn id="18" idx="2"/>
+              </p:cNvCxnSpPr>
+              <p:nvPr/>
+            </p:nvCxnSpPr>
+            <p:spPr>
+              <a:xfrm flipV="1">
+                <a:off x="7589163" y="3215846"/>
+                <a:ext cx="317790" cy="1"/>
+              </a:xfrm>
+              <a:prstGeom prst="straightConnector1">
+                <a:avLst/>
+              </a:prstGeom>
+              <a:ln>
+                <a:tailEnd type="triangle"/>
+              </a:ln>
+            </p:spPr>
+            <p:style>
+              <a:lnRef idx="1">
+                <a:schemeClr val="accent1"/>
+              </a:lnRef>
+              <a:fillRef idx="0">
+                <a:schemeClr val="accent1"/>
+              </a:fillRef>
+              <a:effectRef idx="0">
+                <a:schemeClr val="accent1"/>
+              </a:effectRef>
+              <a:fontRef idx="minor">
+                <a:schemeClr val="tx1"/>
+              </a:fontRef>
+            </p:style>
+          </p:cxnSp>
+          <p:cxnSp>
+            <p:nvCxnSpPr>
+              <p:cNvPr id="23" name="직선 화살표 연결선 22">
+                <a:extLst>
+                  <a:ext uri="{FF2B5EF4-FFF2-40B4-BE49-F238E27FC236}">
+                    <a16:creationId xmlns:a16="http://schemas.microsoft.com/office/drawing/2014/main" id="{6EA15D5C-0136-7FFC-C39F-87F58C6043F0}"/>
+                  </a:ext>
+                </a:extLst>
+              </p:cNvPr>
+              <p:cNvCxnSpPr>
+                <a:cxnSpLocks/>
+                <a:stCxn id="18" idx="6"/>
+                <a:endCxn id="20" idx="2"/>
+              </p:cNvCxnSpPr>
+              <p:nvPr/>
+            </p:nvCxnSpPr>
+            <p:spPr>
+              <a:xfrm flipV="1">
+                <a:off x="9352301" y="3215845"/>
+                <a:ext cx="265220" cy="1"/>
+              </a:xfrm>
+              <a:prstGeom prst="straightConnector1">
+                <a:avLst/>
+              </a:prstGeom>
+              <a:ln>
+                <a:tailEnd type="triangle"/>
+              </a:ln>
+            </p:spPr>
+            <p:style>
+              <a:lnRef idx="1">
+                <a:schemeClr val="accent1"/>
+              </a:lnRef>
+              <a:fillRef idx="0">
+                <a:schemeClr val="accent1"/>
+              </a:fillRef>
+              <a:effectRef idx="0">
+                <a:schemeClr val="accent1"/>
+              </a:effectRef>
+              <a:fontRef idx="minor">
+                <a:schemeClr val="tx1"/>
+              </a:fontRef>
+            </p:style>
+          </p:cxnSp>
+        </p:grpSp>
+        <p:cxnSp>
+          <p:nvCxnSpPr>
+            <p:cNvPr id="15" name="연결선: 꺾임 14">
+              <a:extLst>
+                <a:ext uri="{FF2B5EF4-FFF2-40B4-BE49-F238E27FC236}">
+                  <a16:creationId xmlns:a16="http://schemas.microsoft.com/office/drawing/2014/main" id="{808C8013-5243-EA9B-509E-BFC1D9292A7E}"/>
+                </a:ext>
+              </a:extLst>
+            </p:cNvPr>
+            <p:cNvCxnSpPr>
+              <a:stCxn id="32" idx="0"/>
+              <a:endCxn id="18" idx="0"/>
+            </p:cNvCxnSpPr>
+            <p:nvPr/>
+          </p:nvCxnSpPr>
+          <p:spPr>
+            <a:xfrm rot="16200000" flipH="1">
+              <a:off x="7239578" y="1949387"/>
+              <a:ext cx="995719" cy="1784378"/>
+            </a:xfrm>
+            <a:prstGeom prst="bentConnector3">
+              <a:avLst>
+                <a:gd name="adj1" fmla="val -22958"/>
+              </a:avLst>
+            </a:prstGeom>
+            <a:ln>
+              <a:prstDash val="dash"/>
+              <a:headEnd type="triangle"/>
+              <a:tailEnd type="triangle"/>
+            </a:ln>
+          </p:spPr>
+          <p:style>
+            <a:lnRef idx="1">
+              <a:schemeClr val="accent1"/>
+            </a:lnRef>
+            <a:fillRef idx="0">
+              <a:schemeClr val="accent1"/>
+            </a:fillRef>
+            <a:effectRef idx="0">
+              <a:schemeClr val="accent1"/>
+            </a:effectRef>
+            <a:fontRef idx="minor">
+              <a:schemeClr val="tx1"/>
+            </a:fontRef>
+          </p:style>
+        </p:cxnSp>
+        <p:cxnSp>
+          <p:nvCxnSpPr>
+            <p:cNvPr id="16" name="연결선: 꺾임 15">
+              <a:extLst>
+                <a:ext uri="{FF2B5EF4-FFF2-40B4-BE49-F238E27FC236}">
+                  <a16:creationId xmlns:a16="http://schemas.microsoft.com/office/drawing/2014/main" id="{A1F482B5-A9FB-F31F-4F54-C4215E6989AC}"/>
+                </a:ext>
+              </a:extLst>
+            </p:cNvPr>
+            <p:cNvCxnSpPr>
+              <a:cxnSpLocks/>
+              <a:stCxn id="27" idx="4"/>
+              <a:endCxn id="20" idx="4"/>
+            </p:cNvCxnSpPr>
+            <p:nvPr/>
+          </p:nvCxnSpPr>
+          <p:spPr>
+            <a:xfrm rot="16200000" flipH="1">
+              <a:off x="6629836" y="169268"/>
+              <a:ext cx="948590" cy="6472129"/>
+            </a:xfrm>
+            <a:prstGeom prst="bentConnector3">
+              <a:avLst>
+                <a:gd name="adj1" fmla="val 115619"/>
+              </a:avLst>
+            </a:prstGeom>
+            <a:ln>
+              <a:prstDash val="dash"/>
+              <a:headEnd type="triangle"/>
+              <a:tailEnd type="triangle"/>
+            </a:ln>
+          </p:spPr>
+          <p:style>
+            <a:lnRef idx="1">
+              <a:schemeClr val="accent1"/>
+            </a:lnRef>
+            <a:fillRef idx="0">
+              <a:schemeClr val="accent1"/>
+            </a:fillRef>
+            <a:effectRef idx="0">
+              <a:schemeClr val="accent1"/>
+            </a:effectRef>
+            <a:fontRef idx="minor">
+              <a:schemeClr val="tx1"/>
+            </a:fontRef>
+          </p:style>
+        </p:cxnSp>
+      </p:grpSp>
+      <p:sp>
+        <p:nvSpPr>
+          <p:cNvPr id="36" name="직사각형 35">
+            <a:extLst>
+              <a:ext uri="{FF2B5EF4-FFF2-40B4-BE49-F238E27FC236}">
+                <a16:creationId xmlns:a16="http://schemas.microsoft.com/office/drawing/2014/main" id="{2BACE650-1D3C-59F3-D9B9-C826AAC1643B}"/>
+              </a:ext>
+            </a:extLst>
+          </p:cNvPr>
+          <p:cNvSpPr/>
+          <p:nvPr/>
+        </p:nvSpPr>
+        <p:spPr>
+          <a:xfrm>
+            <a:off x="8602606" y="325711"/>
+            <a:ext cx="856304" cy="625393"/>
+          </a:xfrm>
+          <a:prstGeom prst="rect">
+            <a:avLst/>
+          </a:prstGeom>
+        </p:spPr>
+        <p:style>
+          <a:lnRef idx="2">
+            <a:schemeClr val="accent1">
+              <a:shade val="50000"/>
+            </a:schemeClr>
+          </a:lnRef>
+          <a:fillRef idx="1">
+            <a:schemeClr val="accent1"/>
+          </a:fillRef>
+          <a:effectRef idx="0">
+            <a:schemeClr val="accent1"/>
+          </a:effectRef>
+          <a:fontRef idx="minor">
+            <a:schemeClr val="lt1"/>
+          </a:fontRef>
+        </p:style>
+        <p:txBody>
+          <a:bodyPr rtlCol="0" anchor="ctr"/>
+          <a:lstStyle/>
+          <a:p>
+            <a:pPr algn="ctr"/>
+            <a:r>
+              <a:rPr lang="en-US" altLang="ko-KR" dirty="0"/>
+              <a:t>SSSS</a:t>
+            </a:r>
+            <a:endParaRPr lang="ko-KR" altLang="en-US" dirty="0"/>
+          </a:p>
+        </p:txBody>
+      </p:sp>
+      <p:cxnSp>
+        <p:nvCxnSpPr>
+          <p:cNvPr id="37" name="연결선: 꺾임 36">
+            <a:extLst>
+              <a:ext uri="{FF2B5EF4-FFF2-40B4-BE49-F238E27FC236}">
+                <a16:creationId xmlns:a16="http://schemas.microsoft.com/office/drawing/2014/main" id="{95E26D70-8555-78CD-7E46-18BF32E28134}"/>
+              </a:ext>
+            </a:extLst>
+          </p:cNvPr>
+          <p:cNvCxnSpPr>
+            <a:cxnSpLocks/>
+            <a:stCxn id="36" idx="3"/>
+            <a:endCxn id="4" idx="0"/>
+          </p:cNvCxnSpPr>
+          <p:nvPr/>
+        </p:nvCxnSpPr>
+        <p:spPr>
+          <a:xfrm flipH="1">
+            <a:off x="5860181" y="638408"/>
+            <a:ext cx="3598729" cy="912195"/>
+          </a:xfrm>
+          <a:prstGeom prst="bentConnector4">
+            <a:avLst>
+              <a:gd name="adj1" fmla="val -6352"/>
+              <a:gd name="adj2" fmla="val 67140"/>
+            </a:avLst>
+          </a:prstGeom>
+          <a:ln>
+            <a:tailEnd type="triangle"/>
+          </a:ln>
+        </p:spPr>
+        <p:style>
+          <a:lnRef idx="1">
+            <a:schemeClr val="accent1"/>
+          </a:lnRef>
+          <a:fillRef idx="0">
+            <a:schemeClr val="accent1"/>
+          </a:fillRef>
+          <a:effectRef idx="0">
+            <a:schemeClr val="accent1"/>
+          </a:effectRef>
+          <a:fontRef idx="minor">
+            <a:schemeClr val="tx1"/>
+          </a:fontRef>
+        </p:style>
+      </p:cxnSp>
+      <p:cxnSp>
+        <p:nvCxnSpPr>
+          <p:cNvPr id="39" name="연결선: 꺾임 38">
+            <a:extLst>
+              <a:ext uri="{FF2B5EF4-FFF2-40B4-BE49-F238E27FC236}">
+                <a16:creationId xmlns:a16="http://schemas.microsoft.com/office/drawing/2014/main" id="{723C5707-A0CC-9641-D359-1F2EABA6C1EC}"/>
+              </a:ext>
+            </a:extLst>
+          </p:cNvPr>
+          <p:cNvCxnSpPr>
+            <a:cxnSpLocks/>
+            <a:stCxn id="4" idx="3"/>
+            <a:endCxn id="24" idx="3"/>
+          </p:cNvCxnSpPr>
+          <p:nvPr/>
+        </p:nvCxnSpPr>
+        <p:spPr>
+          <a:xfrm>
+            <a:off x="11009161" y="2192622"/>
+            <a:ext cx="1020315" cy="1801122"/>
+          </a:xfrm>
+          <a:prstGeom prst="bentConnector3">
+            <a:avLst>
+              <a:gd name="adj1" fmla="val 106473"/>
+            </a:avLst>
+          </a:prstGeom>
+          <a:ln>
+            <a:tailEnd type="triangle"/>
+          </a:ln>
+        </p:spPr>
+        <p:style>
+          <a:lnRef idx="1">
+            <a:schemeClr val="accent1"/>
+          </a:lnRef>
+          <a:fillRef idx="0">
+            <a:schemeClr val="accent1"/>
+          </a:fillRef>
+          <a:effectRef idx="0">
+            <a:schemeClr val="accent1"/>
+          </a:effectRef>
+          <a:fontRef idx="minor">
+            <a:schemeClr val="tx1"/>
+          </a:fontRef>
+        </p:style>
+      </p:cxnSp>
+      <p:cxnSp>
+        <p:nvCxnSpPr>
+          <p:cNvPr id="43" name="연결선: 꺾임 42">
+            <a:extLst>
+              <a:ext uri="{FF2B5EF4-FFF2-40B4-BE49-F238E27FC236}">
+                <a16:creationId xmlns:a16="http://schemas.microsoft.com/office/drawing/2014/main" id="{1EE80FE5-E392-2525-9E5E-EB5637BEEFC2}"/>
+              </a:ext>
+            </a:extLst>
+          </p:cNvPr>
+          <p:cNvCxnSpPr>
+            <a:cxnSpLocks/>
+            <a:stCxn id="24" idx="3"/>
+            <a:endCxn id="51" idx="3"/>
+          </p:cNvCxnSpPr>
+          <p:nvPr/>
+        </p:nvCxnSpPr>
+        <p:spPr>
+          <a:xfrm flipH="1">
+            <a:off x="11448325" y="3993744"/>
+            <a:ext cx="581151" cy="1906667"/>
+          </a:xfrm>
+          <a:prstGeom prst="bentConnector3">
+            <a:avLst>
+              <a:gd name="adj1" fmla="val -14861"/>
+            </a:avLst>
+          </a:prstGeom>
+          <a:ln>
+            <a:tailEnd type="triangle"/>
+          </a:ln>
+        </p:spPr>
+        <p:style>
+          <a:lnRef idx="1">
+            <a:schemeClr val="accent1"/>
+          </a:lnRef>
+          <a:fillRef idx="0">
+            <a:schemeClr val="accent1"/>
+          </a:fillRef>
+          <a:effectRef idx="0">
+            <a:schemeClr val="accent1"/>
+          </a:effectRef>
+          <a:fontRef idx="minor">
+            <a:schemeClr val="tx1"/>
+          </a:fontRef>
+        </p:style>
+      </p:cxnSp>
+      <p:grpSp>
+        <p:nvGrpSpPr>
+          <p:cNvPr id="47" name="그룹 46">
+            <a:extLst>
+              <a:ext uri="{FF2B5EF4-FFF2-40B4-BE49-F238E27FC236}">
+                <a16:creationId xmlns:a16="http://schemas.microsoft.com/office/drawing/2014/main" id="{5CE9C464-A0B4-27F4-5C43-2CB60DF23A23}"/>
+              </a:ext>
+            </a:extLst>
+          </p:cNvPr>
+          <p:cNvGrpSpPr/>
+          <p:nvPr/>
+        </p:nvGrpSpPr>
+        <p:grpSpPr>
+          <a:xfrm>
+            <a:off x="449250" y="5203975"/>
+            <a:ext cx="10999075" cy="1392872"/>
+            <a:chOff x="596462" y="1690688"/>
+            <a:chExt cx="10999075" cy="1880552"/>
+          </a:xfrm>
+        </p:grpSpPr>
+        <p:grpSp>
+          <p:nvGrpSpPr>
+            <p:cNvPr id="48" name="그룹 47">
+              <a:extLst>
+                <a:ext uri="{FF2B5EF4-FFF2-40B4-BE49-F238E27FC236}">
+                  <a16:creationId xmlns:a16="http://schemas.microsoft.com/office/drawing/2014/main" id="{8F848880-EB76-59BA-B143-8320DE235813}"/>
+                </a:ext>
+              </a:extLst>
+            </p:cNvPr>
+            <p:cNvGrpSpPr/>
+            <p:nvPr/>
+          </p:nvGrpSpPr>
+          <p:grpSpPr>
+            <a:xfrm>
+              <a:off x="596462" y="1690688"/>
+              <a:ext cx="10999075" cy="1880552"/>
+              <a:chOff x="586302" y="1690688"/>
+              <a:chExt cx="10999075" cy="1880552"/>
+            </a:xfrm>
+          </p:grpSpPr>
+          <p:sp>
+            <p:nvSpPr>
+              <p:cNvPr id="51" name="직사각형 50">
+                <a:extLst>
+                  <a:ext uri="{FF2B5EF4-FFF2-40B4-BE49-F238E27FC236}">
+                    <a16:creationId xmlns:a16="http://schemas.microsoft.com/office/drawing/2014/main" id="{68C5E9A8-19B5-A375-A72A-C75C49EEFE5D}"/>
+                  </a:ext>
+                </a:extLst>
+              </p:cNvPr>
+              <p:cNvSpPr/>
+              <p:nvPr/>
+            </p:nvSpPr>
+            <p:spPr>
+              <a:xfrm>
+                <a:off x="586302" y="1690688"/>
+                <a:ext cx="10999075" cy="1880552"/>
+              </a:xfrm>
+              <a:prstGeom prst="rect">
+                <a:avLst/>
+              </a:prstGeom>
+              <a:solidFill>
+                <a:srgbClr val="012F6B"/>
+              </a:solidFill>
+              <a:ln>
+                <a:solidFill>
+                  <a:schemeClr val="accent6"/>
+                </a:solidFill>
+              </a:ln>
+            </p:spPr>
+            <p:style>
+              <a:lnRef idx="0">
+                <a:scrgbClr r="0" g="0" b="0"/>
+              </a:lnRef>
+              <a:fillRef idx="0">
+                <a:scrgbClr r="0" g="0" b="0"/>
+              </a:fillRef>
+              <a:effectRef idx="0">
+                <a:scrgbClr r="0" g="0" b="0"/>
+              </a:effectRef>
+              <a:fontRef idx="minor">
+                <a:schemeClr val="lt1"/>
+              </a:fontRef>
+            </p:style>
+            <p:txBody>
+              <a:bodyPr vert="horz" wrap="none" lIns="91440" tIns="45720" rIns="91440" bIns="45720" numCol="1" rtlCol="0" anchor="t" anchorCtr="0" compatLnSpc="1">
+                <a:prstTxWarp prst="textNoShape">
+                  <a:avLst/>
+                </a:prstTxWarp>
+              </a:bodyPr>
+              <a:lstStyle/>
+              <a:p>
+                <a:pPr algn="ctr"/>
+                <a:r>
+                  <a:rPr lang="ko-KR" altLang="en-US" dirty="0">
+                    <a:ea typeface="현대하모니 M" panose="02020603020101020101"/>
+                  </a:rPr>
+                  <a:t>배출공정</a:t>
+                </a:r>
+              </a:p>
+            </p:txBody>
+          </p:sp>
+          <p:sp>
+            <p:nvSpPr>
+              <p:cNvPr id="52" name="타원 51">
+                <a:extLst>
+                  <a:ext uri="{FF2B5EF4-FFF2-40B4-BE49-F238E27FC236}">
+                    <a16:creationId xmlns:a16="http://schemas.microsoft.com/office/drawing/2014/main" id="{0A8BA2B0-0133-D238-F0FC-9067F7146BA7}"/>
+                  </a:ext>
+                </a:extLst>
+              </p:cNvPr>
+              <p:cNvSpPr/>
+              <p:nvPr/>
+            </p:nvSpPr>
+            <p:spPr>
+              <a:xfrm>
+                <a:off x="703313" y="2618507"/>
+                <a:ext cx="1119881" cy="559595"/>
+              </a:xfrm>
+              <a:prstGeom prst="ellipse">
+                <a:avLst/>
+              </a:prstGeom>
+              <a:solidFill>
+                <a:schemeClr val="accent5">
+                  <a:lumMod val="75000"/>
+                </a:schemeClr>
+              </a:solidFill>
+            </p:spPr>
+            <p:style>
+              <a:lnRef idx="2">
+                <a:schemeClr val="accent1">
+                  <a:shade val="50000"/>
+                </a:schemeClr>
+              </a:lnRef>
+              <a:fillRef idx="1">
+                <a:schemeClr val="accent1"/>
+              </a:fillRef>
+              <a:effectRef idx="0">
+                <a:schemeClr val="accent1"/>
+              </a:effectRef>
+              <a:fontRef idx="minor">
+                <a:schemeClr val="lt1"/>
+              </a:fontRef>
+            </p:style>
+            <p:txBody>
+              <a:bodyPr lIns="0" tIns="0" rIns="0" bIns="0" rtlCol="0" anchor="t">
+                <a:normAutofit fontScale="92500" lnSpcReduction="10000"/>
+              </a:bodyPr>
+              <a:lstStyle/>
+              <a:p>
+                <a:pPr algn="ctr"/>
+                <a:r>
+                  <a:rPr lang="en-US" altLang="ko-KR" sz="1100" dirty="0" err="1"/>
+                  <a:t>Front_Con_W</a:t>
+                </a:r>
+                <a:r>
+                  <a:rPr lang="en-US" altLang="ko-KR" sz="1100" dirty="0"/>
+                  <a:t>[0,1]</a:t>
+                </a:r>
+                <a:endParaRPr lang="ko-KR" altLang="en-US" sz="1100" dirty="0"/>
+              </a:p>
+            </p:txBody>
+          </p:sp>
+          <p:sp>
+            <p:nvSpPr>
+              <p:cNvPr id="53" name="타원 52">
+                <a:extLst>
+                  <a:ext uri="{FF2B5EF4-FFF2-40B4-BE49-F238E27FC236}">
+                    <a16:creationId xmlns:a16="http://schemas.microsoft.com/office/drawing/2014/main" id="{DB1C052A-F25A-A293-0DCA-057FC2A5463A}"/>
+                  </a:ext>
+                </a:extLst>
+              </p:cNvPr>
+              <p:cNvSpPr/>
+              <p:nvPr/>
+            </p:nvSpPr>
+            <p:spPr>
+              <a:xfrm>
+                <a:off x="4518344" y="2449327"/>
+                <a:ext cx="1314379" cy="693199"/>
+              </a:xfrm>
+              <a:prstGeom prst="ellipse">
+                <a:avLst/>
+              </a:prstGeom>
+              <a:solidFill>
+                <a:schemeClr val="accent5">
+                  <a:lumMod val="75000"/>
+                </a:schemeClr>
+              </a:solidFill>
+            </p:spPr>
+            <p:style>
+              <a:lnRef idx="2">
+                <a:schemeClr val="accent1">
+                  <a:shade val="50000"/>
+                </a:schemeClr>
+              </a:lnRef>
+              <a:fillRef idx="1">
+                <a:schemeClr val="accent1"/>
+              </a:fillRef>
+              <a:effectRef idx="0">
+                <a:schemeClr val="accent1"/>
+              </a:effectRef>
+              <a:fontRef idx="minor">
+                <a:schemeClr val="lt1"/>
+              </a:fontRef>
+            </p:style>
+            <p:txBody>
+              <a:bodyPr lIns="0" tIns="0" rIns="0" bIns="0" rtlCol="0" anchor="t">
+                <a:normAutofit/>
+              </a:bodyPr>
+              <a:lstStyle/>
+              <a:p>
+                <a:pPr algn="ctr"/>
+                <a:r>
+                  <a:rPr lang="en-US" altLang="ko-KR" sz="1100" dirty="0" err="1"/>
+                  <a:t>Front_OutCyl_ADV</a:t>
+                </a:r>
+                <a:endParaRPr lang="ko-KR" altLang="en-US" sz="1100" dirty="0"/>
+              </a:p>
+            </p:txBody>
+          </p:sp>
+          <p:cxnSp>
+            <p:nvCxnSpPr>
+              <p:cNvPr id="54" name="직선 화살표 연결선 53">
+                <a:extLst>
+                  <a:ext uri="{FF2B5EF4-FFF2-40B4-BE49-F238E27FC236}">
+                    <a16:creationId xmlns:a16="http://schemas.microsoft.com/office/drawing/2014/main" id="{03A02EB7-A907-AF4E-98CA-02C79F017C3F}"/>
+                  </a:ext>
+                </a:extLst>
+              </p:cNvPr>
+              <p:cNvCxnSpPr>
+                <a:cxnSpLocks/>
+                <a:stCxn id="52" idx="6"/>
+                <a:endCxn id="49" idx="2"/>
+              </p:cNvCxnSpPr>
+              <p:nvPr/>
+            </p:nvCxnSpPr>
+            <p:spPr>
+              <a:xfrm>
+                <a:off x="1823194" y="2898305"/>
+                <a:ext cx="445904" cy="59540"/>
+              </a:xfrm>
+              <a:prstGeom prst="straightConnector1">
+                <a:avLst/>
+              </a:prstGeom>
+              <a:ln>
+                <a:tailEnd type="triangle"/>
+              </a:ln>
+            </p:spPr>
+            <p:style>
+              <a:lnRef idx="1">
+                <a:schemeClr val="accent1"/>
+              </a:lnRef>
+              <a:fillRef idx="0">
+                <a:schemeClr val="accent1"/>
+              </a:fillRef>
+              <a:effectRef idx="0">
+                <a:schemeClr val="accent1"/>
+              </a:effectRef>
+              <a:fontRef idx="minor">
+                <a:schemeClr val="tx1"/>
+              </a:fontRef>
+            </p:style>
+          </p:cxnSp>
+          <p:cxnSp>
+            <p:nvCxnSpPr>
+              <p:cNvPr id="55" name="직선 화살표 연결선 54">
+                <a:extLst>
+                  <a:ext uri="{FF2B5EF4-FFF2-40B4-BE49-F238E27FC236}">
+                    <a16:creationId xmlns:a16="http://schemas.microsoft.com/office/drawing/2014/main" id="{EEB60BFA-0339-FC07-F84C-6686F1BD443B}"/>
+                  </a:ext>
+                </a:extLst>
+              </p:cNvPr>
+              <p:cNvCxnSpPr>
+                <a:cxnSpLocks/>
+                <a:stCxn id="53" idx="6"/>
+                <a:endCxn id="56" idx="2"/>
+              </p:cNvCxnSpPr>
+              <p:nvPr/>
+            </p:nvCxnSpPr>
+            <p:spPr>
+              <a:xfrm flipV="1">
+                <a:off x="5832723" y="2636400"/>
+                <a:ext cx="1110967" cy="159527"/>
+              </a:xfrm>
+              <a:prstGeom prst="straightConnector1">
+                <a:avLst/>
+              </a:prstGeom>
+              <a:ln>
+                <a:tailEnd type="triangle"/>
+              </a:ln>
+            </p:spPr>
+            <p:style>
+              <a:lnRef idx="1">
+                <a:schemeClr val="accent1"/>
+              </a:lnRef>
+              <a:fillRef idx="0">
+                <a:schemeClr val="accent1"/>
+              </a:fillRef>
+              <a:effectRef idx="0">
+                <a:schemeClr val="accent1"/>
+              </a:effectRef>
+              <a:fontRef idx="minor">
+                <a:schemeClr val="tx1"/>
+              </a:fontRef>
+            </p:style>
+          </p:cxnSp>
+          <p:sp>
+            <p:nvSpPr>
+              <p:cNvPr id="56" name="타원 55">
+                <a:extLst>
+                  <a:ext uri="{FF2B5EF4-FFF2-40B4-BE49-F238E27FC236}">
+                    <a16:creationId xmlns:a16="http://schemas.microsoft.com/office/drawing/2014/main" id="{D419C759-4C61-C106-7C2C-22BA5174DF0F}"/>
+                  </a:ext>
+                </a:extLst>
+              </p:cNvPr>
+              <p:cNvSpPr/>
+              <p:nvPr/>
+            </p:nvSpPr>
+            <p:spPr>
+              <a:xfrm>
+                <a:off x="6943690" y="2238656"/>
+                <a:ext cx="1765360" cy="795487"/>
+              </a:xfrm>
+              <a:prstGeom prst="ellipse">
+                <a:avLst/>
+              </a:prstGeom>
+              <a:solidFill>
+                <a:schemeClr val="accent5">
+                  <a:lumMod val="75000"/>
+                </a:schemeClr>
+              </a:solidFill>
+            </p:spPr>
+            <p:style>
+              <a:lnRef idx="2">
+                <a:schemeClr val="accent1">
+                  <a:shade val="50000"/>
+                </a:schemeClr>
+              </a:lnRef>
+              <a:fillRef idx="1">
+                <a:schemeClr val="accent1"/>
+              </a:fillRef>
+              <a:effectRef idx="0">
+                <a:schemeClr val="accent1"/>
+              </a:effectRef>
+              <a:fontRef idx="minor">
+                <a:schemeClr val="lt1"/>
+              </a:fontRef>
+            </p:style>
+            <p:txBody>
+              <a:bodyPr lIns="0" tIns="0" rIns="0" bIns="0" rtlCol="0" anchor="t">
+                <a:normAutofit/>
+              </a:bodyPr>
+              <a:lstStyle/>
+              <a:p>
+                <a:pPr algn="ctr"/>
+                <a:r>
+                  <a:rPr lang="en-US" altLang="ko-KR" sz="1100" dirty="0" err="1"/>
+                  <a:t>Front_OutCyl_RET</a:t>
+                </a:r>
+                <a:endParaRPr lang="ko-KR" altLang="en-US" sz="1100" dirty="0"/>
+              </a:p>
+            </p:txBody>
+          </p:sp>
+        </p:grpSp>
+        <p:sp>
+          <p:nvSpPr>
+            <p:cNvPr id="49" name="타원 48">
+              <a:extLst>
+                <a:ext uri="{FF2B5EF4-FFF2-40B4-BE49-F238E27FC236}">
+                  <a16:creationId xmlns:a16="http://schemas.microsoft.com/office/drawing/2014/main" id="{C22AFA71-1542-3FB8-8A06-681990947380}"/>
+                </a:ext>
+              </a:extLst>
+            </p:cNvPr>
+            <p:cNvSpPr/>
+            <p:nvPr/>
+          </p:nvSpPr>
+          <p:spPr>
+            <a:xfrm>
+              <a:off x="2279258" y="2560101"/>
+              <a:ext cx="1314379" cy="795487"/>
+            </a:xfrm>
+            <a:prstGeom prst="ellipse">
+              <a:avLst/>
+            </a:prstGeom>
+            <a:solidFill>
+              <a:schemeClr val="accent5">
+                <a:lumMod val="75000"/>
+              </a:schemeClr>
+            </a:solidFill>
+          </p:spPr>
+          <p:style>
+            <a:lnRef idx="2">
+              <a:schemeClr val="accent1">
+                <a:shade val="50000"/>
+              </a:schemeClr>
+            </a:lnRef>
+            <a:fillRef idx="1">
+              <a:schemeClr val="accent1"/>
+            </a:fillRef>
+            <a:effectRef idx="0">
+              <a:schemeClr val="accent1"/>
+            </a:effectRef>
+            <a:fontRef idx="minor">
+              <a:schemeClr val="lt1"/>
+            </a:fontRef>
+          </p:style>
+          <p:txBody>
+            <a:bodyPr lIns="0" tIns="0" rIns="0" bIns="0" rtlCol="0" anchor="t">
+              <a:normAutofit/>
+            </a:bodyPr>
+            <a:lstStyle/>
+            <a:p>
+              <a:pPr algn="ctr"/>
+              <a:r>
+                <a:rPr lang="en-US" altLang="ko-KR" sz="1100" dirty="0" err="1"/>
+                <a:t>Front_EndPos_Sen</a:t>
+              </a:r>
+              <a:r>
+                <a:rPr lang="en-US" altLang="ko-KR" sz="1100" dirty="0"/>
+                <a:t>[0,1]</a:t>
+              </a:r>
+              <a:endParaRPr lang="ko-KR" altLang="en-US" sz="1100" dirty="0"/>
+            </a:p>
+          </p:txBody>
+        </p:sp>
+        <p:cxnSp>
+          <p:nvCxnSpPr>
+            <p:cNvPr id="50" name="직선 화살표 연결선 49">
+              <a:extLst>
+                <a:ext uri="{FF2B5EF4-FFF2-40B4-BE49-F238E27FC236}">
+                  <a16:creationId xmlns:a16="http://schemas.microsoft.com/office/drawing/2014/main" id="{A8FE0253-18A8-C0F5-E86A-2382F8AF69C1}"/>
+                </a:ext>
+              </a:extLst>
+            </p:cNvPr>
+            <p:cNvCxnSpPr>
+              <a:cxnSpLocks/>
+              <a:stCxn id="49" idx="6"/>
+              <a:endCxn id="53" idx="2"/>
+            </p:cNvCxnSpPr>
+            <p:nvPr/>
+          </p:nvCxnSpPr>
+          <p:spPr>
+            <a:xfrm flipV="1">
+              <a:off x="3593637" y="2795927"/>
+              <a:ext cx="934867" cy="161918"/>
+            </a:xfrm>
+            <a:prstGeom prst="straightConnector1">
+              <a:avLst/>
+            </a:prstGeom>
+            <a:ln>
+              <a:tailEnd type="triangle"/>
+            </a:ln>
+          </p:spPr>
+          <p:style>
+            <a:lnRef idx="1">
+              <a:schemeClr val="accent1"/>
+            </a:lnRef>
+            <a:fillRef idx="0">
+              <a:schemeClr val="accent1"/>
+            </a:fillRef>
+            <a:effectRef idx="0">
+              <a:schemeClr val="accent1"/>
+            </a:effectRef>
+            <a:fontRef idx="minor">
+              <a:schemeClr val="tx1"/>
+            </a:fontRef>
+          </p:style>
+        </p:cxnSp>
+      </p:grpSp>
+    </p:spTree>
+    <p:extLst>
+      <p:ext uri="{BB962C8B-B14F-4D97-AF65-F5344CB8AC3E}">
+        <p14:creationId xmlns:p14="http://schemas.microsoft.com/office/powerpoint/2010/main" val="1933933930"/>
       </p:ext>
     </p:extLst>
   </p:cSld>
@@ -21243,991 +23444,6 @@
           </p:style>
         </p:cxnSp>
       </p:grpSp>
-      <p:grpSp>
-        <p:nvGrpSpPr>
-          <p:cNvPr id="13" name="그룹 12">
-            <a:extLst>
-              <a:ext uri="{FF2B5EF4-FFF2-40B4-BE49-F238E27FC236}">
-                <a16:creationId xmlns:a16="http://schemas.microsoft.com/office/drawing/2014/main" id="{E7741BB6-C76C-3238-3F9D-18C4477E35FE}"/>
-              </a:ext>
-            </a:extLst>
-          </p:cNvPr>
-          <p:cNvGrpSpPr/>
-          <p:nvPr/>
-        </p:nvGrpSpPr>
-        <p:grpSpPr>
-          <a:xfrm>
-            <a:off x="568923" y="3175221"/>
-            <a:ext cx="11460553" cy="1637045"/>
-            <a:chOff x="586302" y="1690688"/>
-            <a:chExt cx="11460553" cy="2454552"/>
-          </a:xfrm>
-        </p:grpSpPr>
-        <p:grpSp>
-          <p:nvGrpSpPr>
-            <p:cNvPr id="14" name="그룹 13">
-              <a:extLst>
-                <a:ext uri="{FF2B5EF4-FFF2-40B4-BE49-F238E27FC236}">
-                  <a16:creationId xmlns:a16="http://schemas.microsoft.com/office/drawing/2014/main" id="{28651878-5AEE-EE19-220B-3E6AD321D13A}"/>
-                </a:ext>
-              </a:extLst>
-            </p:cNvPr>
-            <p:cNvGrpSpPr/>
-            <p:nvPr/>
-          </p:nvGrpSpPr>
-          <p:grpSpPr>
-            <a:xfrm>
-              <a:off x="586302" y="1690688"/>
-              <a:ext cx="11460553" cy="2454552"/>
-              <a:chOff x="586302" y="1690688"/>
-              <a:chExt cx="11460553" cy="1923717"/>
-            </a:xfrm>
-          </p:grpSpPr>
-          <p:grpSp>
-            <p:nvGrpSpPr>
-              <p:cNvPr id="17" name="그룹 16">
-                <a:extLst>
-                  <a:ext uri="{FF2B5EF4-FFF2-40B4-BE49-F238E27FC236}">
-                    <a16:creationId xmlns:a16="http://schemas.microsoft.com/office/drawing/2014/main" id="{0F1CADCE-293C-B001-8607-7C654CB886F3}"/>
-                  </a:ext>
-                </a:extLst>
-              </p:cNvPr>
-              <p:cNvGrpSpPr/>
-              <p:nvPr/>
-            </p:nvGrpSpPr>
-            <p:grpSpPr>
-              <a:xfrm>
-                <a:off x="586302" y="1690688"/>
-                <a:ext cx="11460553" cy="1923717"/>
-                <a:chOff x="586302" y="1690688"/>
-                <a:chExt cx="10999075" cy="1923717"/>
-              </a:xfrm>
-            </p:grpSpPr>
-            <p:sp>
-              <p:nvSpPr>
-                <p:cNvPr id="24" name="직사각형 23">
-                  <a:extLst>
-                    <a:ext uri="{FF2B5EF4-FFF2-40B4-BE49-F238E27FC236}">
-                      <a16:creationId xmlns:a16="http://schemas.microsoft.com/office/drawing/2014/main" id="{5C18BC6F-F732-B170-6766-9BE774A419D8}"/>
-                    </a:ext>
-                  </a:extLst>
-                </p:cNvPr>
-                <p:cNvSpPr/>
-                <p:nvPr/>
-              </p:nvSpPr>
-              <p:spPr>
-                <a:xfrm>
-                  <a:off x="586302" y="1690688"/>
-                  <a:ext cx="10999075" cy="1923717"/>
-                </a:xfrm>
-                <a:prstGeom prst="rect">
-                  <a:avLst/>
-                </a:prstGeom>
-                <a:solidFill>
-                  <a:srgbClr val="012F6B"/>
-                </a:solidFill>
-                <a:ln>
-                  <a:solidFill>
-                    <a:schemeClr val="accent6"/>
-                  </a:solidFill>
-                </a:ln>
-              </p:spPr>
-              <p:style>
-                <a:lnRef idx="0">
-                  <a:scrgbClr r="0" g="0" b="0"/>
-                </a:lnRef>
-                <a:fillRef idx="0">
-                  <a:scrgbClr r="0" g="0" b="0"/>
-                </a:fillRef>
-                <a:effectRef idx="0">
-                  <a:scrgbClr r="0" g="0" b="0"/>
-                </a:effectRef>
-                <a:fontRef idx="minor">
-                  <a:schemeClr val="lt1"/>
-                </a:fontRef>
-              </p:style>
-              <p:txBody>
-                <a:bodyPr vert="horz" wrap="none" lIns="91440" tIns="45720" rIns="91440" bIns="45720" numCol="1" rtlCol="0" anchor="t" anchorCtr="0" compatLnSpc="1">
-                  <a:prstTxWarp prst="textNoShape">
-                    <a:avLst/>
-                  </a:prstTxWarp>
-                </a:bodyPr>
-                <a:lstStyle/>
-                <a:p>
-                  <a:pPr algn="ctr"/>
-                  <a:r>
-                    <a:rPr lang="ko-KR" altLang="en-US" dirty="0">
-                      <a:ea typeface="현대하모니 M" panose="02020603020101020101"/>
-                    </a:rPr>
-                    <a:t>작업공정</a:t>
-                  </a:r>
-                </a:p>
-              </p:txBody>
-            </p:sp>
-            <p:sp>
-              <p:nvSpPr>
-                <p:cNvPr id="25" name="타원 24">
-                  <a:extLst>
-                    <a:ext uri="{FF2B5EF4-FFF2-40B4-BE49-F238E27FC236}">
-                      <a16:creationId xmlns:a16="http://schemas.microsoft.com/office/drawing/2014/main" id="{13980383-08AE-38A8-7206-DFED9387F0BE}"/>
-                    </a:ext>
-                  </a:extLst>
-                </p:cNvPr>
-                <p:cNvSpPr/>
-                <p:nvPr/>
-              </p:nvSpPr>
-              <p:spPr>
-                <a:xfrm>
-                  <a:off x="769537" y="2188036"/>
-                  <a:ext cx="977875" cy="524833"/>
-                </a:xfrm>
-                <a:prstGeom prst="ellipse">
-                  <a:avLst/>
-                </a:prstGeom>
-                <a:solidFill>
-                  <a:schemeClr val="accent5">
-                    <a:lumMod val="75000"/>
-                  </a:schemeClr>
-                </a:solidFill>
-              </p:spPr>
-              <p:style>
-                <a:lnRef idx="2">
-                  <a:schemeClr val="accent1">
-                    <a:shade val="50000"/>
-                  </a:schemeClr>
-                </a:lnRef>
-                <a:fillRef idx="1">
-                  <a:schemeClr val="accent1"/>
-                </a:fillRef>
-                <a:effectRef idx="0">
-                  <a:schemeClr val="accent1"/>
-                </a:effectRef>
-                <a:fontRef idx="minor">
-                  <a:schemeClr val="lt1"/>
-                </a:fontRef>
-              </p:style>
-              <p:txBody>
-                <a:bodyPr lIns="0" tIns="0" rIns="0" bIns="0" rtlCol="0" anchor="t">
-                  <a:normAutofit lnSpcReduction="10000"/>
-                </a:bodyPr>
-                <a:lstStyle/>
-                <a:p>
-                  <a:pPr algn="ctr"/>
-                  <a:r>
-                    <a:rPr lang="en-US" altLang="ko-KR" sz="1100" dirty="0" err="1"/>
-                    <a:t>Front_Pos_Sen</a:t>
-                  </a:r>
-                  <a:r>
-                    <a:rPr lang="en-US" altLang="ko-KR" sz="1100" dirty="0"/>
-                    <a:t>[0,1]</a:t>
-                  </a:r>
-                  <a:endParaRPr lang="ko-KR" altLang="en-US" sz="1100" dirty="0"/>
-                </a:p>
-              </p:txBody>
-            </p:sp>
-            <p:sp>
-              <p:nvSpPr>
-                <p:cNvPr id="26" name="타원 25">
-                  <a:extLst>
-                    <a:ext uri="{FF2B5EF4-FFF2-40B4-BE49-F238E27FC236}">
-                      <a16:creationId xmlns:a16="http://schemas.microsoft.com/office/drawing/2014/main" id="{BE48CF72-909E-16D0-8796-58DCB476299F}"/>
-                    </a:ext>
-                  </a:extLst>
-                </p:cNvPr>
-                <p:cNvSpPr/>
-                <p:nvPr/>
-              </p:nvSpPr>
-              <p:spPr>
-                <a:xfrm>
-                  <a:off x="1915677" y="2170279"/>
-                  <a:ext cx="887930" cy="524833"/>
-                </a:xfrm>
-                <a:prstGeom prst="ellipse">
-                  <a:avLst/>
-                </a:prstGeom>
-                <a:solidFill>
-                  <a:schemeClr val="accent5">
-                    <a:lumMod val="75000"/>
-                  </a:schemeClr>
-                </a:solidFill>
-              </p:spPr>
-              <p:style>
-                <a:lnRef idx="2">
-                  <a:schemeClr val="accent1">
-                    <a:shade val="50000"/>
-                  </a:schemeClr>
-                </a:lnRef>
-                <a:fillRef idx="1">
-                  <a:schemeClr val="accent1"/>
-                </a:fillRef>
-                <a:effectRef idx="0">
-                  <a:schemeClr val="accent1"/>
-                </a:effectRef>
-                <a:fontRef idx="minor">
-                  <a:schemeClr val="lt1"/>
-                </a:fontRef>
-              </p:style>
-              <p:txBody>
-                <a:bodyPr lIns="0" tIns="0" rIns="0" bIns="0" rtlCol="0" anchor="t">
-                  <a:normAutofit lnSpcReduction="10000"/>
-                </a:bodyPr>
-                <a:lstStyle/>
-                <a:p>
-                  <a:pPr algn="ctr"/>
-                  <a:r>
-                    <a:rPr lang="en-US" altLang="ko-KR" sz="1100" dirty="0" err="1"/>
-                    <a:t>Front_Con_W</a:t>
-                  </a:r>
-                  <a:r>
-                    <a:rPr lang="en-US" altLang="ko-KR" sz="1100" dirty="0"/>
-                    <a:t>[1,0]</a:t>
-                  </a:r>
-                  <a:endParaRPr lang="ko-KR" altLang="en-US" sz="1100" dirty="0"/>
-                </a:p>
-              </p:txBody>
-            </p:sp>
-            <p:sp>
-              <p:nvSpPr>
-                <p:cNvPr id="27" name="타원 26">
-                  <a:extLst>
-                    <a:ext uri="{FF2B5EF4-FFF2-40B4-BE49-F238E27FC236}">
-                      <a16:creationId xmlns:a16="http://schemas.microsoft.com/office/drawing/2014/main" id="{01BB3789-BFA2-ED6F-F56C-6973FBF4C888}"/>
-                    </a:ext>
-                  </a:extLst>
-                </p:cNvPr>
-                <p:cNvSpPr/>
-                <p:nvPr/>
-              </p:nvSpPr>
-              <p:spPr>
-                <a:xfrm>
-                  <a:off x="3042347" y="2196839"/>
-                  <a:ext cx="1387148" cy="465954"/>
-                </a:xfrm>
-                <a:prstGeom prst="ellipse">
-                  <a:avLst/>
-                </a:prstGeom>
-                <a:solidFill>
-                  <a:schemeClr val="accent5">
-                    <a:lumMod val="75000"/>
-                  </a:schemeClr>
-                </a:solidFill>
-              </p:spPr>
-              <p:style>
-                <a:lnRef idx="2">
-                  <a:schemeClr val="accent1">
-                    <a:shade val="50000"/>
-                  </a:schemeClr>
-                </a:lnRef>
-                <a:fillRef idx="1">
-                  <a:schemeClr val="accent1"/>
-                </a:fillRef>
-                <a:effectRef idx="0">
-                  <a:schemeClr val="accent1"/>
-                </a:effectRef>
-                <a:fontRef idx="minor">
-                  <a:schemeClr val="lt1"/>
-                </a:fontRef>
-              </p:style>
-              <p:txBody>
-                <a:bodyPr lIns="0" tIns="0" rIns="0" bIns="0" rtlCol="0" anchor="t">
-                  <a:normAutofit fontScale="92500" lnSpcReduction="10000"/>
-                </a:bodyPr>
-                <a:lstStyle/>
-                <a:p>
-                  <a:pPr algn="ctr"/>
-                  <a:r>
-                    <a:rPr lang="en-US" altLang="ko-KR" sz="1100" dirty="0"/>
-                    <a:t>Front_1Stopper_Adv</a:t>
-                  </a:r>
-                  <a:endParaRPr lang="ko-KR" altLang="en-US" sz="1100" dirty="0"/>
-                </a:p>
-              </p:txBody>
-            </p:sp>
-            <p:cxnSp>
-              <p:nvCxnSpPr>
-                <p:cNvPr id="28" name="직선 화살표 연결선 27">
-                  <a:extLst>
-                    <a:ext uri="{FF2B5EF4-FFF2-40B4-BE49-F238E27FC236}">
-                      <a16:creationId xmlns:a16="http://schemas.microsoft.com/office/drawing/2014/main" id="{43B97F31-C16C-5C82-612D-EE39502E06EB}"/>
-                    </a:ext>
-                  </a:extLst>
-                </p:cNvPr>
-                <p:cNvCxnSpPr>
-                  <a:cxnSpLocks/>
-                  <a:stCxn id="25" idx="6"/>
-                  <a:endCxn id="26" idx="2"/>
-                </p:cNvCxnSpPr>
-                <p:nvPr/>
-              </p:nvCxnSpPr>
-              <p:spPr>
-                <a:xfrm flipV="1">
-                  <a:off x="1747412" y="2432696"/>
-                  <a:ext cx="168264" cy="17757"/>
-                </a:xfrm>
-                <a:prstGeom prst="straightConnector1">
-                  <a:avLst/>
-                </a:prstGeom>
-                <a:ln>
-                  <a:tailEnd type="triangle"/>
-                </a:ln>
-              </p:spPr>
-              <p:style>
-                <a:lnRef idx="1">
-                  <a:schemeClr val="accent1"/>
-                </a:lnRef>
-                <a:fillRef idx="0">
-                  <a:schemeClr val="accent1"/>
-                </a:fillRef>
-                <a:effectRef idx="0">
-                  <a:schemeClr val="accent1"/>
-                </a:effectRef>
-                <a:fontRef idx="minor">
-                  <a:schemeClr val="tx1"/>
-                </a:fontRef>
-              </p:style>
-            </p:cxnSp>
-            <p:cxnSp>
-              <p:nvCxnSpPr>
-                <p:cNvPr id="29" name="직선 화살표 연결선 28">
-                  <a:extLst>
-                    <a:ext uri="{FF2B5EF4-FFF2-40B4-BE49-F238E27FC236}">
-                      <a16:creationId xmlns:a16="http://schemas.microsoft.com/office/drawing/2014/main" id="{A4C5B87D-ED3A-519F-E553-C9A70FEE7B36}"/>
-                    </a:ext>
-                  </a:extLst>
-                </p:cNvPr>
-                <p:cNvCxnSpPr>
-                  <a:cxnSpLocks/>
-                  <a:stCxn id="26" idx="6"/>
-                  <a:endCxn id="27" idx="2"/>
-                </p:cNvCxnSpPr>
-                <p:nvPr/>
-              </p:nvCxnSpPr>
-              <p:spPr>
-                <a:xfrm flipV="1">
-                  <a:off x="2803607" y="2429816"/>
-                  <a:ext cx="238740" cy="2879"/>
-                </a:xfrm>
-                <a:prstGeom prst="straightConnector1">
-                  <a:avLst/>
-                </a:prstGeom>
-                <a:ln>
-                  <a:tailEnd type="triangle"/>
-                </a:ln>
-              </p:spPr>
-              <p:style>
-                <a:lnRef idx="1">
-                  <a:schemeClr val="accent1"/>
-                </a:lnRef>
-                <a:fillRef idx="0">
-                  <a:schemeClr val="accent1"/>
-                </a:fillRef>
-                <a:effectRef idx="0">
-                  <a:schemeClr val="accent1"/>
-                </a:effectRef>
-                <a:fontRef idx="minor">
-                  <a:schemeClr val="tx1"/>
-                </a:fontRef>
-              </p:style>
-            </p:cxnSp>
-            <p:sp>
-              <p:nvSpPr>
-                <p:cNvPr id="30" name="타원 29">
-                  <a:extLst>
-                    <a:ext uri="{FF2B5EF4-FFF2-40B4-BE49-F238E27FC236}">
-                      <a16:creationId xmlns:a16="http://schemas.microsoft.com/office/drawing/2014/main" id="{5AA528F7-0EE7-C014-6FCC-F70B7A1E778C}"/>
-                    </a:ext>
-                  </a:extLst>
-                </p:cNvPr>
-                <p:cNvSpPr/>
-                <p:nvPr/>
-              </p:nvSpPr>
-              <p:spPr>
-                <a:xfrm>
-                  <a:off x="4694079" y="2196839"/>
-                  <a:ext cx="1055459" cy="465954"/>
-                </a:xfrm>
-                <a:prstGeom prst="ellipse">
-                  <a:avLst/>
-                </a:prstGeom>
-                <a:solidFill>
-                  <a:schemeClr val="accent5">
-                    <a:lumMod val="75000"/>
-                  </a:schemeClr>
-                </a:solidFill>
-              </p:spPr>
-              <p:style>
-                <a:lnRef idx="2">
-                  <a:schemeClr val="accent1">
-                    <a:shade val="50000"/>
-                  </a:schemeClr>
-                </a:lnRef>
-                <a:fillRef idx="1">
-                  <a:schemeClr val="accent1"/>
-                </a:fillRef>
-                <a:effectRef idx="0">
-                  <a:schemeClr val="accent1"/>
-                </a:effectRef>
-                <a:fontRef idx="minor">
-                  <a:schemeClr val="lt1"/>
-                </a:fontRef>
-              </p:style>
-              <p:txBody>
-                <a:bodyPr lIns="0" tIns="0" rIns="0" bIns="0" rtlCol="0" anchor="t">
-                  <a:normAutofit fontScale="92500" lnSpcReduction="10000"/>
-                </a:bodyPr>
-                <a:lstStyle/>
-                <a:p>
-                  <a:pPr algn="ctr"/>
-                  <a:r>
-                    <a:rPr lang="en-US" altLang="ko-KR" sz="1100" dirty="0"/>
-                    <a:t>Front_1pos_Sen[0,1]</a:t>
-                  </a:r>
-                  <a:endParaRPr lang="ko-KR" altLang="en-US" sz="1100" dirty="0"/>
-                </a:p>
-                <a:p>
-                  <a:pPr algn="ctr"/>
-                  <a:endParaRPr lang="ko-KR" altLang="en-US" sz="1100" dirty="0"/>
-                </a:p>
-              </p:txBody>
-            </p:sp>
-            <p:cxnSp>
-              <p:nvCxnSpPr>
-                <p:cNvPr id="31" name="직선 화살표 연결선 30">
-                  <a:extLst>
-                    <a:ext uri="{FF2B5EF4-FFF2-40B4-BE49-F238E27FC236}">
-                      <a16:creationId xmlns:a16="http://schemas.microsoft.com/office/drawing/2014/main" id="{6B53F4BF-B19C-4C4E-4045-6441541744FC}"/>
-                    </a:ext>
-                  </a:extLst>
-                </p:cNvPr>
-                <p:cNvCxnSpPr>
-                  <a:cxnSpLocks/>
-                  <a:stCxn id="27" idx="6"/>
-                  <a:endCxn id="30" idx="2"/>
-                </p:cNvCxnSpPr>
-                <p:nvPr/>
-              </p:nvCxnSpPr>
-              <p:spPr>
-                <a:xfrm>
-                  <a:off x="4429495" y="2429816"/>
-                  <a:ext cx="264584" cy="0"/>
-                </a:xfrm>
-                <a:prstGeom prst="straightConnector1">
-                  <a:avLst/>
-                </a:prstGeom>
-                <a:ln>
-                  <a:tailEnd type="triangle"/>
-                </a:ln>
-              </p:spPr>
-              <p:style>
-                <a:lnRef idx="1">
-                  <a:schemeClr val="accent1"/>
-                </a:lnRef>
-                <a:fillRef idx="0">
-                  <a:schemeClr val="accent1"/>
-                </a:fillRef>
-                <a:effectRef idx="0">
-                  <a:schemeClr val="accent1"/>
-                </a:effectRef>
-                <a:fontRef idx="minor">
-                  <a:schemeClr val="tx1"/>
-                </a:fontRef>
-              </p:style>
-            </p:cxnSp>
-            <p:sp>
-              <p:nvSpPr>
-                <p:cNvPr id="32" name="타원 31">
-                  <a:extLst>
-                    <a:ext uri="{FF2B5EF4-FFF2-40B4-BE49-F238E27FC236}">
-                      <a16:creationId xmlns:a16="http://schemas.microsoft.com/office/drawing/2014/main" id="{389D8CDA-3AE6-007C-39FC-6D3076C74224}"/>
-                    </a:ext>
-                  </a:extLst>
-                </p:cNvPr>
-                <p:cNvSpPr/>
-                <p:nvPr/>
-              </p:nvSpPr>
-              <p:spPr>
-                <a:xfrm>
-                  <a:off x="5899648" y="2202489"/>
-                  <a:ext cx="1387149" cy="432347"/>
-                </a:xfrm>
-                <a:prstGeom prst="ellipse">
-                  <a:avLst/>
-                </a:prstGeom>
-                <a:solidFill>
-                  <a:schemeClr val="accent5">
-                    <a:lumMod val="75000"/>
-                  </a:schemeClr>
-                </a:solidFill>
-              </p:spPr>
-              <p:style>
-                <a:lnRef idx="2">
-                  <a:schemeClr val="accent1">
-                    <a:shade val="50000"/>
-                  </a:schemeClr>
-                </a:lnRef>
-                <a:fillRef idx="1">
-                  <a:schemeClr val="accent1"/>
-                </a:fillRef>
-                <a:effectRef idx="0">
-                  <a:schemeClr val="accent1"/>
-                </a:effectRef>
-                <a:fontRef idx="minor">
-                  <a:schemeClr val="lt1"/>
-                </a:fontRef>
-              </p:style>
-              <p:txBody>
-                <a:bodyPr lIns="0" tIns="0" rIns="0" bIns="0" rtlCol="0" anchor="t">
-                  <a:normAutofit fontScale="92500" lnSpcReduction="20000"/>
-                </a:bodyPr>
-                <a:lstStyle/>
-                <a:p>
-                  <a:pPr algn="ctr"/>
-                  <a:r>
-                    <a:rPr lang="en-US" altLang="ko-KR" sz="1100" dirty="0" err="1"/>
-                    <a:t>Front_Usb_Cyl_ADV</a:t>
-                  </a:r>
-                  <a:endParaRPr lang="ko-KR" altLang="en-US" sz="1100" dirty="0"/>
-                </a:p>
-              </p:txBody>
-            </p:sp>
-            <p:cxnSp>
-              <p:nvCxnSpPr>
-                <p:cNvPr id="33" name="직선 화살표 연결선 32">
-                  <a:extLst>
-                    <a:ext uri="{FF2B5EF4-FFF2-40B4-BE49-F238E27FC236}">
-                      <a16:creationId xmlns:a16="http://schemas.microsoft.com/office/drawing/2014/main" id="{F4821303-9C3C-6CD4-86EF-E0C0D219FAFE}"/>
-                    </a:ext>
-                  </a:extLst>
-                </p:cNvPr>
-                <p:cNvCxnSpPr>
-                  <a:cxnSpLocks/>
-                  <a:stCxn id="30" idx="6"/>
-                  <a:endCxn id="32" idx="2"/>
-                </p:cNvCxnSpPr>
-                <p:nvPr/>
-              </p:nvCxnSpPr>
-              <p:spPr>
-                <a:xfrm flipV="1">
-                  <a:off x="5749538" y="2418663"/>
-                  <a:ext cx="150110" cy="11153"/>
-                </a:xfrm>
-                <a:prstGeom prst="straightConnector1">
-                  <a:avLst/>
-                </a:prstGeom>
-                <a:ln>
-                  <a:tailEnd type="triangle"/>
-                </a:ln>
-              </p:spPr>
-              <p:style>
-                <a:lnRef idx="1">
-                  <a:schemeClr val="accent1"/>
-                </a:lnRef>
-                <a:fillRef idx="0">
-                  <a:schemeClr val="accent1"/>
-                </a:fillRef>
-                <a:effectRef idx="0">
-                  <a:schemeClr val="accent1"/>
-                </a:effectRef>
-                <a:fontRef idx="minor">
-                  <a:schemeClr val="tx1"/>
-                </a:fontRef>
-              </p:style>
-            </p:cxnSp>
-          </p:grpSp>
-          <p:sp>
-            <p:nvSpPr>
-              <p:cNvPr id="18" name="타원 17">
-                <a:extLst>
-                  <a:ext uri="{FF2B5EF4-FFF2-40B4-BE49-F238E27FC236}">
-                    <a16:creationId xmlns:a16="http://schemas.microsoft.com/office/drawing/2014/main" id="{43393C6D-789E-0663-065E-487C6150426E}"/>
-                  </a:ext>
-                </a:extLst>
-              </p:cNvPr>
-              <p:cNvSpPr/>
-              <p:nvPr/>
-            </p:nvSpPr>
-            <p:spPr>
-              <a:xfrm>
-                <a:off x="7906953" y="2982869"/>
-                <a:ext cx="1445348" cy="465954"/>
-              </a:xfrm>
-              <a:prstGeom prst="ellipse">
-                <a:avLst/>
-              </a:prstGeom>
-              <a:solidFill>
-                <a:schemeClr val="accent5">
-                  <a:lumMod val="75000"/>
-                </a:schemeClr>
-              </a:solidFill>
-            </p:spPr>
-            <p:style>
-              <a:lnRef idx="2">
-                <a:schemeClr val="accent1">
-                  <a:shade val="50000"/>
-                </a:schemeClr>
-              </a:lnRef>
-              <a:fillRef idx="1">
-                <a:schemeClr val="accent1"/>
-              </a:fillRef>
-              <a:effectRef idx="0">
-                <a:schemeClr val="accent1"/>
-              </a:effectRef>
-              <a:fontRef idx="minor">
-                <a:schemeClr val="lt1"/>
-              </a:fontRef>
-            </p:style>
-            <p:txBody>
-              <a:bodyPr lIns="0" tIns="0" rIns="0" bIns="0" rtlCol="0" anchor="t">
-                <a:normAutofit fontScale="92500" lnSpcReduction="10000"/>
-              </a:bodyPr>
-              <a:lstStyle/>
-              <a:p>
-                <a:pPr algn="ctr"/>
-                <a:r>
-                  <a:rPr lang="en-US" altLang="ko-KR" sz="1100" dirty="0" err="1"/>
-                  <a:t>Front_Usb_Cyl_RET</a:t>
-                </a:r>
-                <a:endParaRPr lang="ko-KR" altLang="en-US" sz="1100" dirty="0"/>
-              </a:p>
-            </p:txBody>
-          </p:sp>
-          <p:cxnSp>
-            <p:nvCxnSpPr>
-              <p:cNvPr id="19" name="연결선: 꺾임 18">
-                <a:extLst>
-                  <a:ext uri="{FF2B5EF4-FFF2-40B4-BE49-F238E27FC236}">
-                    <a16:creationId xmlns:a16="http://schemas.microsoft.com/office/drawing/2014/main" id="{E507E5A0-768B-48FB-E86C-D2C1B32BCDCF}"/>
-                  </a:ext>
-                </a:extLst>
-              </p:cNvPr>
-              <p:cNvCxnSpPr>
-                <a:cxnSpLocks/>
-                <a:stCxn id="32" idx="6"/>
-                <a:endCxn id="21" idx="1"/>
-              </p:cNvCxnSpPr>
-              <p:nvPr/>
-            </p:nvCxnSpPr>
-            <p:spPr>
-              <a:xfrm flipH="1">
-                <a:off x="6710081" y="2418663"/>
-                <a:ext cx="857842" cy="797184"/>
-              </a:xfrm>
-              <a:prstGeom prst="bentConnector5">
-                <a:avLst>
-                  <a:gd name="adj1" fmla="val -26648"/>
-                  <a:gd name="adj2" fmla="val 50000"/>
-                  <a:gd name="adj3" fmla="val 126648"/>
-                </a:avLst>
-              </a:prstGeom>
-              <a:ln>
-                <a:tailEnd type="triangle"/>
-              </a:ln>
-            </p:spPr>
-            <p:style>
-              <a:lnRef idx="1">
-                <a:schemeClr val="accent1"/>
-              </a:lnRef>
-              <a:fillRef idx="0">
-                <a:schemeClr val="accent1"/>
-              </a:fillRef>
-              <a:effectRef idx="0">
-                <a:schemeClr val="accent1"/>
-              </a:effectRef>
-              <a:fontRef idx="minor">
-                <a:schemeClr val="tx1"/>
-              </a:fontRef>
-            </p:style>
-          </p:cxnSp>
-          <p:sp>
-            <p:nvSpPr>
-              <p:cNvPr id="20" name="타원 19">
-                <a:extLst>
-                  <a:ext uri="{FF2B5EF4-FFF2-40B4-BE49-F238E27FC236}">
-                    <a16:creationId xmlns:a16="http://schemas.microsoft.com/office/drawing/2014/main" id="{BC20924D-0C6D-E9C4-28B2-D0E73564D48B}"/>
-                  </a:ext>
-                </a:extLst>
-              </p:cNvPr>
-              <p:cNvSpPr/>
-              <p:nvPr/>
-            </p:nvSpPr>
-            <p:spPr>
-              <a:xfrm>
-                <a:off x="9617521" y="3025453"/>
-                <a:ext cx="1445349" cy="380783"/>
-              </a:xfrm>
-              <a:prstGeom prst="ellipse">
-                <a:avLst/>
-              </a:prstGeom>
-              <a:solidFill>
-                <a:schemeClr val="accent5">
-                  <a:lumMod val="75000"/>
-                </a:schemeClr>
-              </a:solidFill>
-            </p:spPr>
-            <p:style>
-              <a:lnRef idx="2">
-                <a:schemeClr val="accent1">
-                  <a:shade val="50000"/>
-                </a:schemeClr>
-              </a:lnRef>
-              <a:fillRef idx="1">
-                <a:schemeClr val="accent1"/>
-              </a:fillRef>
-              <a:effectRef idx="0">
-                <a:schemeClr val="accent1"/>
-              </a:effectRef>
-              <a:fontRef idx="minor">
-                <a:schemeClr val="lt1"/>
-              </a:fontRef>
-            </p:style>
-            <p:txBody>
-              <a:bodyPr lIns="0" tIns="0" rIns="0" bIns="0" rtlCol="0" anchor="t">
-                <a:normAutofit fontScale="85000" lnSpcReduction="20000"/>
-              </a:bodyPr>
-              <a:lstStyle/>
-              <a:p>
-                <a:pPr algn="ctr"/>
-                <a:r>
-                  <a:rPr lang="en-US" altLang="ko-KR" sz="1100" dirty="0"/>
-                  <a:t>Front_1Stopper_RET</a:t>
-                </a:r>
-                <a:endParaRPr lang="ko-KR" altLang="en-US" sz="1100" dirty="0"/>
-              </a:p>
-            </p:txBody>
-          </p:sp>
-          <p:sp>
-            <p:nvSpPr>
-              <p:cNvPr id="21" name="직사각형 20">
-                <a:extLst>
-                  <a:ext uri="{FF2B5EF4-FFF2-40B4-BE49-F238E27FC236}">
-                    <a16:creationId xmlns:a16="http://schemas.microsoft.com/office/drawing/2014/main" id="{761F61F6-04B4-8E66-917F-CB98198F1D91}"/>
-                  </a:ext>
-                </a:extLst>
-              </p:cNvPr>
-              <p:cNvSpPr/>
-              <p:nvPr/>
-            </p:nvSpPr>
-            <p:spPr>
-              <a:xfrm>
-                <a:off x="6710081" y="2999673"/>
-                <a:ext cx="879082" cy="432348"/>
-              </a:xfrm>
-              <a:prstGeom prst="rect">
-                <a:avLst/>
-              </a:prstGeom>
-              <a:ln>
-                <a:prstDash val="dash"/>
-              </a:ln>
-            </p:spPr>
-            <p:style>
-              <a:lnRef idx="2">
-                <a:schemeClr val="accent1">
-                  <a:shade val="50000"/>
-                </a:schemeClr>
-              </a:lnRef>
-              <a:fillRef idx="1">
-                <a:schemeClr val="accent1"/>
-              </a:fillRef>
-              <a:effectRef idx="0">
-                <a:schemeClr val="accent1"/>
-              </a:effectRef>
-              <a:fontRef idx="minor">
-                <a:schemeClr val="lt1"/>
-              </a:fontRef>
-            </p:style>
-            <p:txBody>
-              <a:bodyPr rtlCol="0" anchor="ctr"/>
-              <a:lstStyle/>
-              <a:p>
-                <a:pPr algn="ctr"/>
-                <a:r>
-                  <a:rPr lang="en-US" altLang="ko-KR" dirty="0"/>
-                  <a:t>Work</a:t>
-                </a:r>
-              </a:p>
-            </p:txBody>
-          </p:sp>
-          <p:cxnSp>
-            <p:nvCxnSpPr>
-              <p:cNvPr id="22" name="직선 화살표 연결선 21">
-                <a:extLst>
-                  <a:ext uri="{FF2B5EF4-FFF2-40B4-BE49-F238E27FC236}">
-                    <a16:creationId xmlns:a16="http://schemas.microsoft.com/office/drawing/2014/main" id="{823A50BC-46F0-F648-F290-9F1D4FCFACFB}"/>
-                  </a:ext>
-                </a:extLst>
-              </p:cNvPr>
-              <p:cNvCxnSpPr>
-                <a:cxnSpLocks/>
-                <a:stCxn id="21" idx="3"/>
-                <a:endCxn id="18" idx="2"/>
-              </p:cNvCxnSpPr>
-              <p:nvPr/>
-            </p:nvCxnSpPr>
-            <p:spPr>
-              <a:xfrm flipV="1">
-                <a:off x="7589163" y="3215845"/>
-                <a:ext cx="317790" cy="2"/>
-              </a:xfrm>
-              <a:prstGeom prst="straightConnector1">
-                <a:avLst/>
-              </a:prstGeom>
-              <a:ln>
-                <a:tailEnd type="triangle"/>
-              </a:ln>
-            </p:spPr>
-            <p:style>
-              <a:lnRef idx="1">
-                <a:schemeClr val="accent1"/>
-              </a:lnRef>
-              <a:fillRef idx="0">
-                <a:schemeClr val="accent1"/>
-              </a:fillRef>
-              <a:effectRef idx="0">
-                <a:schemeClr val="accent1"/>
-              </a:effectRef>
-              <a:fontRef idx="minor">
-                <a:schemeClr val="tx1"/>
-              </a:fontRef>
-            </p:style>
-          </p:cxnSp>
-          <p:cxnSp>
-            <p:nvCxnSpPr>
-              <p:cNvPr id="23" name="직선 화살표 연결선 22">
-                <a:extLst>
-                  <a:ext uri="{FF2B5EF4-FFF2-40B4-BE49-F238E27FC236}">
-                    <a16:creationId xmlns:a16="http://schemas.microsoft.com/office/drawing/2014/main" id="{6EA15D5C-0136-7FFC-C39F-87F58C6043F0}"/>
-                  </a:ext>
-                </a:extLst>
-              </p:cNvPr>
-              <p:cNvCxnSpPr>
-                <a:cxnSpLocks/>
-                <a:stCxn id="18" idx="6"/>
-                <a:endCxn id="20" idx="2"/>
-              </p:cNvCxnSpPr>
-              <p:nvPr/>
-            </p:nvCxnSpPr>
-            <p:spPr>
-              <a:xfrm flipV="1">
-                <a:off x="9352301" y="3215845"/>
-                <a:ext cx="265220" cy="1"/>
-              </a:xfrm>
-              <a:prstGeom prst="straightConnector1">
-                <a:avLst/>
-              </a:prstGeom>
-              <a:ln>
-                <a:tailEnd type="triangle"/>
-              </a:ln>
-            </p:spPr>
-            <p:style>
-              <a:lnRef idx="1">
-                <a:schemeClr val="accent1"/>
-              </a:lnRef>
-              <a:fillRef idx="0">
-                <a:schemeClr val="accent1"/>
-              </a:fillRef>
-              <a:effectRef idx="0">
-                <a:schemeClr val="accent1"/>
-              </a:effectRef>
-              <a:fontRef idx="minor">
-                <a:schemeClr val="tx1"/>
-              </a:fontRef>
-            </p:style>
-          </p:cxnSp>
-        </p:grpSp>
-        <p:cxnSp>
-          <p:nvCxnSpPr>
-            <p:cNvPr id="15" name="연결선: 꺾임 14">
-              <a:extLst>
-                <a:ext uri="{FF2B5EF4-FFF2-40B4-BE49-F238E27FC236}">
-                  <a16:creationId xmlns:a16="http://schemas.microsoft.com/office/drawing/2014/main" id="{808C8013-5243-EA9B-509E-BFC1D9292A7E}"/>
-                </a:ext>
-              </a:extLst>
-            </p:cNvPr>
-            <p:cNvCxnSpPr>
-              <a:stCxn id="32" idx="0"/>
-              <a:endCxn id="18" idx="0"/>
-            </p:cNvCxnSpPr>
-            <p:nvPr/>
-          </p:nvCxnSpPr>
-          <p:spPr>
-            <a:xfrm rot="16200000" flipH="1">
-              <a:off x="7239578" y="1949387"/>
-              <a:ext cx="995719" cy="1784378"/>
-            </a:xfrm>
-            <a:prstGeom prst="bentConnector3">
-              <a:avLst>
-                <a:gd name="adj1" fmla="val -22958"/>
-              </a:avLst>
-            </a:prstGeom>
-            <a:ln>
-              <a:prstDash val="dash"/>
-              <a:headEnd type="triangle"/>
-              <a:tailEnd type="triangle"/>
-            </a:ln>
-          </p:spPr>
-          <p:style>
-            <a:lnRef idx="1">
-              <a:schemeClr val="accent1"/>
-            </a:lnRef>
-            <a:fillRef idx="0">
-              <a:schemeClr val="accent1"/>
-            </a:fillRef>
-            <a:effectRef idx="0">
-              <a:schemeClr val="accent1"/>
-            </a:effectRef>
-            <a:fontRef idx="minor">
-              <a:schemeClr val="tx1"/>
-            </a:fontRef>
-          </p:style>
-        </p:cxnSp>
-        <p:cxnSp>
-          <p:nvCxnSpPr>
-            <p:cNvPr id="16" name="연결선: 꺾임 15">
-              <a:extLst>
-                <a:ext uri="{FF2B5EF4-FFF2-40B4-BE49-F238E27FC236}">
-                  <a16:creationId xmlns:a16="http://schemas.microsoft.com/office/drawing/2014/main" id="{A1F482B5-A9FB-F31F-4F54-C4215E6989AC}"/>
-                </a:ext>
-              </a:extLst>
-            </p:cNvPr>
-            <p:cNvCxnSpPr>
-              <a:cxnSpLocks/>
-              <a:stCxn id="27" idx="4"/>
-              <a:endCxn id="20" idx="4"/>
-            </p:cNvCxnSpPr>
-            <p:nvPr/>
-          </p:nvCxnSpPr>
-          <p:spPr>
-            <a:xfrm rot="16200000" flipH="1">
-              <a:off x="6629836" y="169268"/>
-              <a:ext cx="948590" cy="6472129"/>
-            </a:xfrm>
-            <a:prstGeom prst="bentConnector3">
-              <a:avLst>
-                <a:gd name="adj1" fmla="val 115619"/>
-              </a:avLst>
-            </a:prstGeom>
-            <a:ln>
-              <a:prstDash val="dash"/>
-              <a:headEnd type="triangle"/>
-              <a:tailEnd type="triangle"/>
-            </a:ln>
-          </p:spPr>
-          <p:style>
-            <a:lnRef idx="1">
-              <a:schemeClr val="accent1"/>
-            </a:lnRef>
-            <a:fillRef idx="0">
-              <a:schemeClr val="accent1"/>
-            </a:fillRef>
-            <a:effectRef idx="0">
-              <a:schemeClr val="accent1"/>
-            </a:effectRef>
-            <a:fontRef idx="minor">
-              <a:schemeClr val="tx1"/>
-            </a:fontRef>
-          </p:style>
-        </p:cxnSp>
-      </p:grpSp>
       <p:sp>
         <p:nvSpPr>
           <p:cNvPr id="36" name="직사각형 35">
@@ -22882,6 +24098,1080 @@
           </p:style>
         </p:cxnSp>
       </p:grpSp>
+      <p:grpSp>
+        <p:nvGrpSpPr>
+          <p:cNvPr id="44" name="그룹 43">
+            <a:extLst>
+              <a:ext uri="{FF2B5EF4-FFF2-40B4-BE49-F238E27FC236}">
+                <a16:creationId xmlns:a16="http://schemas.microsoft.com/office/drawing/2014/main" id="{F2351499-1FEC-CDB4-3A9E-94DD4065A75B}"/>
+              </a:ext>
+            </a:extLst>
+          </p:cNvPr>
+          <p:cNvGrpSpPr/>
+          <p:nvPr/>
+        </p:nvGrpSpPr>
+        <p:grpSpPr>
+          <a:xfrm>
+            <a:off x="568923" y="3175221"/>
+            <a:ext cx="11460553" cy="1637045"/>
+            <a:chOff x="568923" y="3175221"/>
+            <a:chExt cx="11460553" cy="1637045"/>
+          </a:xfrm>
+        </p:grpSpPr>
+        <p:grpSp>
+          <p:nvGrpSpPr>
+            <p:cNvPr id="13" name="그룹 12">
+              <a:extLst>
+                <a:ext uri="{FF2B5EF4-FFF2-40B4-BE49-F238E27FC236}">
+                  <a16:creationId xmlns:a16="http://schemas.microsoft.com/office/drawing/2014/main" id="{E7741BB6-C76C-3238-3F9D-18C4477E35FE}"/>
+                </a:ext>
+              </a:extLst>
+            </p:cNvPr>
+            <p:cNvGrpSpPr/>
+            <p:nvPr/>
+          </p:nvGrpSpPr>
+          <p:grpSpPr>
+            <a:xfrm>
+              <a:off x="568923" y="3175221"/>
+              <a:ext cx="11460553" cy="1637045"/>
+              <a:chOff x="586302" y="1690688"/>
+              <a:chExt cx="11460553" cy="2454552"/>
+            </a:xfrm>
+          </p:grpSpPr>
+          <p:grpSp>
+            <p:nvGrpSpPr>
+              <p:cNvPr id="14" name="그룹 13">
+                <a:extLst>
+                  <a:ext uri="{FF2B5EF4-FFF2-40B4-BE49-F238E27FC236}">
+                    <a16:creationId xmlns:a16="http://schemas.microsoft.com/office/drawing/2014/main" id="{28651878-5AEE-EE19-220B-3E6AD321D13A}"/>
+                  </a:ext>
+                </a:extLst>
+              </p:cNvPr>
+              <p:cNvGrpSpPr/>
+              <p:nvPr/>
+            </p:nvGrpSpPr>
+            <p:grpSpPr>
+              <a:xfrm>
+                <a:off x="586302" y="1690688"/>
+                <a:ext cx="11460553" cy="2454552"/>
+                <a:chOff x="586302" y="1690688"/>
+                <a:chExt cx="11460553" cy="1923717"/>
+              </a:xfrm>
+            </p:grpSpPr>
+            <p:grpSp>
+              <p:nvGrpSpPr>
+                <p:cNvPr id="17" name="그룹 16">
+                  <a:extLst>
+                    <a:ext uri="{FF2B5EF4-FFF2-40B4-BE49-F238E27FC236}">
+                      <a16:creationId xmlns:a16="http://schemas.microsoft.com/office/drawing/2014/main" id="{0F1CADCE-293C-B001-8607-7C654CB886F3}"/>
+                    </a:ext>
+                  </a:extLst>
+                </p:cNvPr>
+                <p:cNvGrpSpPr/>
+                <p:nvPr/>
+              </p:nvGrpSpPr>
+              <p:grpSpPr>
+                <a:xfrm>
+                  <a:off x="586302" y="1690688"/>
+                  <a:ext cx="11460553" cy="1923717"/>
+                  <a:chOff x="586302" y="1690688"/>
+                  <a:chExt cx="10999075" cy="1923717"/>
+                </a:xfrm>
+              </p:grpSpPr>
+              <p:sp>
+                <p:nvSpPr>
+                  <p:cNvPr id="24" name="직사각형 23">
+                    <a:extLst>
+                      <a:ext uri="{FF2B5EF4-FFF2-40B4-BE49-F238E27FC236}">
+                        <a16:creationId xmlns:a16="http://schemas.microsoft.com/office/drawing/2014/main" id="{5C18BC6F-F732-B170-6766-9BE774A419D8}"/>
+                      </a:ext>
+                    </a:extLst>
+                  </p:cNvPr>
+                  <p:cNvSpPr/>
+                  <p:nvPr/>
+                </p:nvSpPr>
+                <p:spPr>
+                  <a:xfrm>
+                    <a:off x="586302" y="1690688"/>
+                    <a:ext cx="10999075" cy="1923717"/>
+                  </a:xfrm>
+                  <a:prstGeom prst="rect">
+                    <a:avLst/>
+                  </a:prstGeom>
+                  <a:solidFill>
+                    <a:srgbClr val="012F6B"/>
+                  </a:solidFill>
+                  <a:ln>
+                    <a:solidFill>
+                      <a:schemeClr val="accent6"/>
+                    </a:solidFill>
+                  </a:ln>
+                </p:spPr>
+                <p:style>
+                  <a:lnRef idx="0">
+                    <a:scrgbClr r="0" g="0" b="0"/>
+                  </a:lnRef>
+                  <a:fillRef idx="0">
+                    <a:scrgbClr r="0" g="0" b="0"/>
+                  </a:fillRef>
+                  <a:effectRef idx="0">
+                    <a:scrgbClr r="0" g="0" b="0"/>
+                  </a:effectRef>
+                  <a:fontRef idx="minor">
+                    <a:schemeClr val="lt1"/>
+                  </a:fontRef>
+                </p:style>
+                <p:txBody>
+                  <a:bodyPr vert="horz" wrap="none" lIns="91440" tIns="45720" rIns="91440" bIns="45720" numCol="1" rtlCol="0" anchor="t" anchorCtr="0" compatLnSpc="1">
+                    <a:prstTxWarp prst="textNoShape">
+                      <a:avLst/>
+                    </a:prstTxWarp>
+                  </a:bodyPr>
+                  <a:lstStyle/>
+                  <a:p>
+                    <a:pPr algn="ctr"/>
+                    <a:r>
+                      <a:rPr lang="ko-KR" altLang="en-US" dirty="0">
+                        <a:ea typeface="현대하모니 M" panose="02020603020101020101"/>
+                      </a:rPr>
+                      <a:t>작업공정</a:t>
+                    </a:r>
+                  </a:p>
+                </p:txBody>
+              </p:sp>
+              <p:sp>
+                <p:nvSpPr>
+                  <p:cNvPr id="25" name="타원 24">
+                    <a:extLst>
+                      <a:ext uri="{FF2B5EF4-FFF2-40B4-BE49-F238E27FC236}">
+                        <a16:creationId xmlns:a16="http://schemas.microsoft.com/office/drawing/2014/main" id="{13980383-08AE-38A8-7206-DFED9387F0BE}"/>
+                      </a:ext>
+                    </a:extLst>
+                  </p:cNvPr>
+                  <p:cNvSpPr/>
+                  <p:nvPr/>
+                </p:nvSpPr>
+                <p:spPr>
+                  <a:xfrm>
+                    <a:off x="769537" y="2188036"/>
+                    <a:ext cx="977875" cy="524833"/>
+                  </a:xfrm>
+                  <a:prstGeom prst="ellipse">
+                    <a:avLst/>
+                  </a:prstGeom>
+                  <a:solidFill>
+                    <a:schemeClr val="accent5">
+                      <a:lumMod val="75000"/>
+                    </a:schemeClr>
+                  </a:solidFill>
+                </p:spPr>
+                <p:style>
+                  <a:lnRef idx="2">
+                    <a:schemeClr val="accent1">
+                      <a:shade val="50000"/>
+                    </a:schemeClr>
+                  </a:lnRef>
+                  <a:fillRef idx="1">
+                    <a:schemeClr val="accent1"/>
+                  </a:fillRef>
+                  <a:effectRef idx="0">
+                    <a:schemeClr val="accent1"/>
+                  </a:effectRef>
+                  <a:fontRef idx="minor">
+                    <a:schemeClr val="lt1"/>
+                  </a:fontRef>
+                </p:style>
+                <p:txBody>
+                  <a:bodyPr lIns="0" tIns="0" rIns="0" bIns="0" rtlCol="0" anchor="t">
+                    <a:normAutofit lnSpcReduction="10000"/>
+                  </a:bodyPr>
+                  <a:lstStyle/>
+                  <a:p>
+                    <a:pPr algn="ctr"/>
+                    <a:r>
+                      <a:rPr lang="en-US" altLang="ko-KR" sz="1100" dirty="0" err="1"/>
+                      <a:t>Front_Pos_Sen</a:t>
+                    </a:r>
+                    <a:r>
+                      <a:rPr lang="en-US" altLang="ko-KR" sz="1100" dirty="0"/>
+                      <a:t>[0,1]</a:t>
+                    </a:r>
+                    <a:endParaRPr lang="ko-KR" altLang="en-US" sz="1100" dirty="0"/>
+                  </a:p>
+                </p:txBody>
+              </p:sp>
+              <p:sp>
+                <p:nvSpPr>
+                  <p:cNvPr id="26" name="타원 25">
+                    <a:extLst>
+                      <a:ext uri="{FF2B5EF4-FFF2-40B4-BE49-F238E27FC236}">
+                        <a16:creationId xmlns:a16="http://schemas.microsoft.com/office/drawing/2014/main" id="{BE48CF72-909E-16D0-8796-58DCB476299F}"/>
+                      </a:ext>
+                    </a:extLst>
+                  </p:cNvPr>
+                  <p:cNvSpPr/>
+                  <p:nvPr/>
+                </p:nvSpPr>
+                <p:spPr>
+                  <a:xfrm>
+                    <a:off x="1915677" y="2170279"/>
+                    <a:ext cx="887930" cy="524833"/>
+                  </a:xfrm>
+                  <a:prstGeom prst="ellipse">
+                    <a:avLst/>
+                  </a:prstGeom>
+                  <a:solidFill>
+                    <a:schemeClr val="accent5">
+                      <a:lumMod val="75000"/>
+                    </a:schemeClr>
+                  </a:solidFill>
+                </p:spPr>
+                <p:style>
+                  <a:lnRef idx="2">
+                    <a:schemeClr val="accent1">
+                      <a:shade val="50000"/>
+                    </a:schemeClr>
+                  </a:lnRef>
+                  <a:fillRef idx="1">
+                    <a:schemeClr val="accent1"/>
+                  </a:fillRef>
+                  <a:effectRef idx="0">
+                    <a:schemeClr val="accent1"/>
+                  </a:effectRef>
+                  <a:fontRef idx="minor">
+                    <a:schemeClr val="lt1"/>
+                  </a:fontRef>
+                </p:style>
+                <p:txBody>
+                  <a:bodyPr lIns="0" tIns="0" rIns="0" bIns="0" rtlCol="0" anchor="t">
+                    <a:normAutofit lnSpcReduction="10000"/>
+                  </a:bodyPr>
+                  <a:lstStyle/>
+                  <a:p>
+                    <a:pPr algn="ctr"/>
+                    <a:r>
+                      <a:rPr lang="en-US" altLang="ko-KR" sz="1100" dirty="0" err="1"/>
+                      <a:t>Front_Con_W</a:t>
+                    </a:r>
+                    <a:r>
+                      <a:rPr lang="en-US" altLang="ko-KR" sz="1100" dirty="0"/>
+                      <a:t>[1,0]</a:t>
+                    </a:r>
+                    <a:endParaRPr lang="ko-KR" altLang="en-US" sz="1100" dirty="0"/>
+                  </a:p>
+                </p:txBody>
+              </p:sp>
+              <p:sp>
+                <p:nvSpPr>
+                  <p:cNvPr id="27" name="타원 26">
+                    <a:extLst>
+                      <a:ext uri="{FF2B5EF4-FFF2-40B4-BE49-F238E27FC236}">
+                        <a16:creationId xmlns:a16="http://schemas.microsoft.com/office/drawing/2014/main" id="{01BB3789-BFA2-ED6F-F56C-6973FBF4C888}"/>
+                      </a:ext>
+                    </a:extLst>
+                  </p:cNvPr>
+                  <p:cNvSpPr/>
+                  <p:nvPr/>
+                </p:nvSpPr>
+                <p:spPr>
+                  <a:xfrm>
+                    <a:off x="3042347" y="2196839"/>
+                    <a:ext cx="1387148" cy="465954"/>
+                  </a:xfrm>
+                  <a:prstGeom prst="ellipse">
+                    <a:avLst/>
+                  </a:prstGeom>
+                  <a:solidFill>
+                    <a:schemeClr val="accent5">
+                      <a:lumMod val="75000"/>
+                    </a:schemeClr>
+                  </a:solidFill>
+                </p:spPr>
+                <p:style>
+                  <a:lnRef idx="2">
+                    <a:schemeClr val="accent1">
+                      <a:shade val="50000"/>
+                    </a:schemeClr>
+                  </a:lnRef>
+                  <a:fillRef idx="1">
+                    <a:schemeClr val="accent1"/>
+                  </a:fillRef>
+                  <a:effectRef idx="0">
+                    <a:schemeClr val="accent1"/>
+                  </a:effectRef>
+                  <a:fontRef idx="minor">
+                    <a:schemeClr val="lt1"/>
+                  </a:fontRef>
+                </p:style>
+                <p:txBody>
+                  <a:bodyPr lIns="0" tIns="0" rIns="0" bIns="0" rtlCol="0" anchor="t">
+                    <a:normAutofit fontScale="92500" lnSpcReduction="10000"/>
+                  </a:bodyPr>
+                  <a:lstStyle/>
+                  <a:p>
+                    <a:pPr algn="ctr"/>
+                    <a:r>
+                      <a:rPr lang="en-US" altLang="ko-KR" sz="1100" dirty="0"/>
+                      <a:t>Front_1Stopper_Adv</a:t>
+                    </a:r>
+                    <a:endParaRPr lang="ko-KR" altLang="en-US" sz="1100" dirty="0"/>
+                  </a:p>
+                </p:txBody>
+              </p:sp>
+              <p:cxnSp>
+                <p:nvCxnSpPr>
+                  <p:cNvPr id="28" name="직선 화살표 연결선 27">
+                    <a:extLst>
+                      <a:ext uri="{FF2B5EF4-FFF2-40B4-BE49-F238E27FC236}">
+                        <a16:creationId xmlns:a16="http://schemas.microsoft.com/office/drawing/2014/main" id="{43B97F31-C16C-5C82-612D-EE39502E06EB}"/>
+                      </a:ext>
+                    </a:extLst>
+                  </p:cNvPr>
+                  <p:cNvCxnSpPr>
+                    <a:cxnSpLocks/>
+                    <a:stCxn id="25" idx="6"/>
+                    <a:endCxn id="26" idx="2"/>
+                  </p:cNvCxnSpPr>
+                  <p:nvPr/>
+                </p:nvCxnSpPr>
+                <p:spPr>
+                  <a:xfrm flipV="1">
+                    <a:off x="1747412" y="2432696"/>
+                    <a:ext cx="168264" cy="17757"/>
+                  </a:xfrm>
+                  <a:prstGeom prst="straightConnector1">
+                    <a:avLst/>
+                  </a:prstGeom>
+                  <a:ln>
+                    <a:tailEnd type="triangle"/>
+                  </a:ln>
+                </p:spPr>
+                <p:style>
+                  <a:lnRef idx="1">
+                    <a:schemeClr val="accent1"/>
+                  </a:lnRef>
+                  <a:fillRef idx="0">
+                    <a:schemeClr val="accent1"/>
+                  </a:fillRef>
+                  <a:effectRef idx="0">
+                    <a:schemeClr val="accent1"/>
+                  </a:effectRef>
+                  <a:fontRef idx="minor">
+                    <a:schemeClr val="tx1"/>
+                  </a:fontRef>
+                </p:style>
+              </p:cxnSp>
+              <p:cxnSp>
+                <p:nvCxnSpPr>
+                  <p:cNvPr id="29" name="직선 화살표 연결선 28">
+                    <a:extLst>
+                      <a:ext uri="{FF2B5EF4-FFF2-40B4-BE49-F238E27FC236}">
+                        <a16:creationId xmlns:a16="http://schemas.microsoft.com/office/drawing/2014/main" id="{A4C5B87D-ED3A-519F-E553-C9A70FEE7B36}"/>
+                      </a:ext>
+                    </a:extLst>
+                  </p:cNvPr>
+                  <p:cNvCxnSpPr>
+                    <a:cxnSpLocks/>
+                    <a:stCxn id="26" idx="6"/>
+                    <a:endCxn id="27" idx="2"/>
+                  </p:cNvCxnSpPr>
+                  <p:nvPr/>
+                </p:nvCxnSpPr>
+                <p:spPr>
+                  <a:xfrm flipV="1">
+                    <a:off x="2803607" y="2429816"/>
+                    <a:ext cx="238740" cy="2879"/>
+                  </a:xfrm>
+                  <a:prstGeom prst="straightConnector1">
+                    <a:avLst/>
+                  </a:prstGeom>
+                  <a:ln>
+                    <a:tailEnd type="triangle"/>
+                  </a:ln>
+                </p:spPr>
+                <p:style>
+                  <a:lnRef idx="1">
+                    <a:schemeClr val="accent1"/>
+                  </a:lnRef>
+                  <a:fillRef idx="0">
+                    <a:schemeClr val="accent1"/>
+                  </a:fillRef>
+                  <a:effectRef idx="0">
+                    <a:schemeClr val="accent1"/>
+                  </a:effectRef>
+                  <a:fontRef idx="minor">
+                    <a:schemeClr val="tx1"/>
+                  </a:fontRef>
+                </p:style>
+              </p:cxnSp>
+              <p:sp>
+                <p:nvSpPr>
+                  <p:cNvPr id="30" name="타원 29">
+                    <a:extLst>
+                      <a:ext uri="{FF2B5EF4-FFF2-40B4-BE49-F238E27FC236}">
+                        <a16:creationId xmlns:a16="http://schemas.microsoft.com/office/drawing/2014/main" id="{5AA528F7-0EE7-C014-6FCC-F70B7A1E778C}"/>
+                      </a:ext>
+                    </a:extLst>
+                  </p:cNvPr>
+                  <p:cNvSpPr/>
+                  <p:nvPr/>
+                </p:nvSpPr>
+                <p:spPr>
+                  <a:xfrm>
+                    <a:off x="4694079" y="2196839"/>
+                    <a:ext cx="1055459" cy="465954"/>
+                  </a:xfrm>
+                  <a:prstGeom prst="ellipse">
+                    <a:avLst/>
+                  </a:prstGeom>
+                  <a:solidFill>
+                    <a:schemeClr val="accent5">
+                      <a:lumMod val="75000"/>
+                    </a:schemeClr>
+                  </a:solidFill>
+                </p:spPr>
+                <p:style>
+                  <a:lnRef idx="2">
+                    <a:schemeClr val="accent1">
+                      <a:shade val="50000"/>
+                    </a:schemeClr>
+                  </a:lnRef>
+                  <a:fillRef idx="1">
+                    <a:schemeClr val="accent1"/>
+                  </a:fillRef>
+                  <a:effectRef idx="0">
+                    <a:schemeClr val="accent1"/>
+                  </a:effectRef>
+                  <a:fontRef idx="minor">
+                    <a:schemeClr val="lt1"/>
+                  </a:fontRef>
+                </p:style>
+                <p:txBody>
+                  <a:bodyPr lIns="0" tIns="0" rIns="0" bIns="0" rtlCol="0" anchor="t">
+                    <a:normAutofit fontScale="92500" lnSpcReduction="10000"/>
+                  </a:bodyPr>
+                  <a:lstStyle/>
+                  <a:p>
+                    <a:pPr algn="ctr"/>
+                    <a:r>
+                      <a:rPr lang="en-US" altLang="ko-KR" sz="1100" dirty="0"/>
+                      <a:t>Front_1pos_Sen[0,1]</a:t>
+                    </a:r>
+                    <a:endParaRPr lang="ko-KR" altLang="en-US" sz="1100" dirty="0"/>
+                  </a:p>
+                  <a:p>
+                    <a:pPr algn="ctr"/>
+                    <a:endParaRPr lang="ko-KR" altLang="en-US" sz="1100" dirty="0"/>
+                  </a:p>
+                </p:txBody>
+              </p:sp>
+              <p:cxnSp>
+                <p:nvCxnSpPr>
+                  <p:cNvPr id="31" name="직선 화살표 연결선 30">
+                    <a:extLst>
+                      <a:ext uri="{FF2B5EF4-FFF2-40B4-BE49-F238E27FC236}">
+                        <a16:creationId xmlns:a16="http://schemas.microsoft.com/office/drawing/2014/main" id="{6B53F4BF-B19C-4C4E-4045-6441541744FC}"/>
+                      </a:ext>
+                    </a:extLst>
+                  </p:cNvPr>
+                  <p:cNvCxnSpPr>
+                    <a:cxnSpLocks/>
+                    <a:stCxn id="27" idx="6"/>
+                    <a:endCxn id="30" idx="2"/>
+                  </p:cNvCxnSpPr>
+                  <p:nvPr/>
+                </p:nvCxnSpPr>
+                <p:spPr>
+                  <a:xfrm>
+                    <a:off x="4429495" y="2429816"/>
+                    <a:ext cx="264584" cy="0"/>
+                  </a:xfrm>
+                  <a:prstGeom prst="straightConnector1">
+                    <a:avLst/>
+                  </a:prstGeom>
+                  <a:ln>
+                    <a:tailEnd type="triangle"/>
+                  </a:ln>
+                </p:spPr>
+                <p:style>
+                  <a:lnRef idx="1">
+                    <a:schemeClr val="accent1"/>
+                  </a:lnRef>
+                  <a:fillRef idx="0">
+                    <a:schemeClr val="accent1"/>
+                  </a:fillRef>
+                  <a:effectRef idx="0">
+                    <a:schemeClr val="accent1"/>
+                  </a:effectRef>
+                  <a:fontRef idx="minor">
+                    <a:schemeClr val="tx1"/>
+                  </a:fontRef>
+                </p:style>
+              </p:cxnSp>
+              <p:sp>
+                <p:nvSpPr>
+                  <p:cNvPr id="32" name="타원 31">
+                    <a:extLst>
+                      <a:ext uri="{FF2B5EF4-FFF2-40B4-BE49-F238E27FC236}">
+                        <a16:creationId xmlns:a16="http://schemas.microsoft.com/office/drawing/2014/main" id="{389D8CDA-3AE6-007C-39FC-6D3076C74224}"/>
+                      </a:ext>
+                    </a:extLst>
+                  </p:cNvPr>
+                  <p:cNvSpPr/>
+                  <p:nvPr/>
+                </p:nvSpPr>
+                <p:spPr>
+                  <a:xfrm>
+                    <a:off x="5899648" y="2202489"/>
+                    <a:ext cx="1387149" cy="432347"/>
+                  </a:xfrm>
+                  <a:prstGeom prst="ellipse">
+                    <a:avLst/>
+                  </a:prstGeom>
+                  <a:solidFill>
+                    <a:schemeClr val="accent5">
+                      <a:lumMod val="75000"/>
+                    </a:schemeClr>
+                  </a:solidFill>
+                </p:spPr>
+                <p:style>
+                  <a:lnRef idx="2">
+                    <a:schemeClr val="accent1">
+                      <a:shade val="50000"/>
+                    </a:schemeClr>
+                  </a:lnRef>
+                  <a:fillRef idx="1">
+                    <a:schemeClr val="accent1"/>
+                  </a:fillRef>
+                  <a:effectRef idx="0">
+                    <a:schemeClr val="accent1"/>
+                  </a:effectRef>
+                  <a:fontRef idx="minor">
+                    <a:schemeClr val="lt1"/>
+                  </a:fontRef>
+                </p:style>
+                <p:txBody>
+                  <a:bodyPr lIns="0" tIns="0" rIns="0" bIns="0" rtlCol="0" anchor="t">
+                    <a:normAutofit fontScale="92500" lnSpcReduction="20000"/>
+                  </a:bodyPr>
+                  <a:lstStyle/>
+                  <a:p>
+                    <a:pPr algn="ctr"/>
+                    <a:r>
+                      <a:rPr lang="en-US" altLang="ko-KR" sz="1100" dirty="0" err="1"/>
+                      <a:t>Front_Usb_Cyl_ADV</a:t>
+                    </a:r>
+                    <a:endParaRPr lang="ko-KR" altLang="en-US" sz="1100" dirty="0"/>
+                  </a:p>
+                </p:txBody>
+              </p:sp>
+              <p:cxnSp>
+                <p:nvCxnSpPr>
+                  <p:cNvPr id="33" name="직선 화살표 연결선 32">
+                    <a:extLst>
+                      <a:ext uri="{FF2B5EF4-FFF2-40B4-BE49-F238E27FC236}">
+                        <a16:creationId xmlns:a16="http://schemas.microsoft.com/office/drawing/2014/main" id="{F4821303-9C3C-6CD4-86EF-E0C0D219FAFE}"/>
+                      </a:ext>
+                    </a:extLst>
+                  </p:cNvPr>
+                  <p:cNvCxnSpPr>
+                    <a:cxnSpLocks/>
+                    <a:stCxn id="30" idx="6"/>
+                    <a:endCxn id="32" idx="2"/>
+                  </p:cNvCxnSpPr>
+                  <p:nvPr/>
+                </p:nvCxnSpPr>
+                <p:spPr>
+                  <a:xfrm flipV="1">
+                    <a:off x="5749538" y="2418663"/>
+                    <a:ext cx="150110" cy="11153"/>
+                  </a:xfrm>
+                  <a:prstGeom prst="straightConnector1">
+                    <a:avLst/>
+                  </a:prstGeom>
+                  <a:ln>
+                    <a:tailEnd type="triangle"/>
+                  </a:ln>
+                </p:spPr>
+                <p:style>
+                  <a:lnRef idx="1">
+                    <a:schemeClr val="accent1"/>
+                  </a:lnRef>
+                  <a:fillRef idx="0">
+                    <a:schemeClr val="accent1"/>
+                  </a:fillRef>
+                  <a:effectRef idx="0">
+                    <a:schemeClr val="accent1"/>
+                  </a:effectRef>
+                  <a:fontRef idx="minor">
+                    <a:schemeClr val="tx1"/>
+                  </a:fontRef>
+                </p:style>
+              </p:cxnSp>
+            </p:grpSp>
+            <p:sp>
+              <p:nvSpPr>
+                <p:cNvPr id="18" name="타원 17">
+                  <a:extLst>
+                    <a:ext uri="{FF2B5EF4-FFF2-40B4-BE49-F238E27FC236}">
+                      <a16:creationId xmlns:a16="http://schemas.microsoft.com/office/drawing/2014/main" id="{43393C6D-789E-0663-065E-487C6150426E}"/>
+                    </a:ext>
+                  </a:extLst>
+                </p:cNvPr>
+                <p:cNvSpPr/>
+                <p:nvPr/>
+              </p:nvSpPr>
+              <p:spPr>
+                <a:xfrm>
+                  <a:off x="7906953" y="2982869"/>
+                  <a:ext cx="1445348" cy="465954"/>
+                </a:xfrm>
+                <a:prstGeom prst="ellipse">
+                  <a:avLst/>
+                </a:prstGeom>
+                <a:solidFill>
+                  <a:schemeClr val="accent5">
+                    <a:lumMod val="75000"/>
+                  </a:schemeClr>
+                </a:solidFill>
+              </p:spPr>
+              <p:style>
+                <a:lnRef idx="2">
+                  <a:schemeClr val="accent1">
+                    <a:shade val="50000"/>
+                  </a:schemeClr>
+                </a:lnRef>
+                <a:fillRef idx="1">
+                  <a:schemeClr val="accent1"/>
+                </a:fillRef>
+                <a:effectRef idx="0">
+                  <a:schemeClr val="accent1"/>
+                </a:effectRef>
+                <a:fontRef idx="minor">
+                  <a:schemeClr val="lt1"/>
+                </a:fontRef>
+              </p:style>
+              <p:txBody>
+                <a:bodyPr lIns="0" tIns="0" rIns="0" bIns="0" rtlCol="0" anchor="t">
+                  <a:normAutofit fontScale="92500" lnSpcReduction="10000"/>
+                </a:bodyPr>
+                <a:lstStyle/>
+                <a:p>
+                  <a:pPr algn="ctr"/>
+                  <a:r>
+                    <a:rPr lang="en-US" altLang="ko-KR" sz="1100" dirty="0" err="1"/>
+                    <a:t>Front_Usb_Cyl_RET</a:t>
+                  </a:r>
+                  <a:endParaRPr lang="ko-KR" altLang="en-US" sz="1100" dirty="0"/>
+                </a:p>
+              </p:txBody>
+            </p:sp>
+            <p:cxnSp>
+              <p:nvCxnSpPr>
+                <p:cNvPr id="19" name="연결선: 꺾임 18">
+                  <a:extLst>
+                    <a:ext uri="{FF2B5EF4-FFF2-40B4-BE49-F238E27FC236}">
+                      <a16:creationId xmlns:a16="http://schemas.microsoft.com/office/drawing/2014/main" id="{E507E5A0-768B-48FB-E86C-D2C1B32BCDCF}"/>
+                    </a:ext>
+                  </a:extLst>
+                </p:cNvPr>
+                <p:cNvCxnSpPr>
+                  <a:cxnSpLocks/>
+                  <a:stCxn id="32" idx="6"/>
+                  <a:endCxn id="21" idx="1"/>
+                </p:cNvCxnSpPr>
+                <p:nvPr/>
+              </p:nvCxnSpPr>
+              <p:spPr>
+                <a:xfrm flipH="1">
+                  <a:off x="6302769" y="2418663"/>
+                  <a:ext cx="1265154" cy="797184"/>
+                </a:xfrm>
+                <a:prstGeom prst="bentConnector5">
+                  <a:avLst>
+                    <a:gd name="adj1" fmla="val -18069"/>
+                    <a:gd name="adj2" fmla="val 50000"/>
+                    <a:gd name="adj3" fmla="val 118069"/>
+                  </a:avLst>
+                </a:prstGeom>
+                <a:ln>
+                  <a:tailEnd type="triangle"/>
+                </a:ln>
+              </p:spPr>
+              <p:style>
+                <a:lnRef idx="1">
+                  <a:schemeClr val="accent1"/>
+                </a:lnRef>
+                <a:fillRef idx="0">
+                  <a:schemeClr val="accent1"/>
+                </a:fillRef>
+                <a:effectRef idx="0">
+                  <a:schemeClr val="accent1"/>
+                </a:effectRef>
+                <a:fontRef idx="minor">
+                  <a:schemeClr val="tx1"/>
+                </a:fontRef>
+              </p:style>
+            </p:cxnSp>
+            <p:sp>
+              <p:nvSpPr>
+                <p:cNvPr id="20" name="타원 19">
+                  <a:extLst>
+                    <a:ext uri="{FF2B5EF4-FFF2-40B4-BE49-F238E27FC236}">
+                      <a16:creationId xmlns:a16="http://schemas.microsoft.com/office/drawing/2014/main" id="{BC20924D-0C6D-E9C4-28B2-D0E73564D48B}"/>
+                    </a:ext>
+                  </a:extLst>
+                </p:cNvPr>
+                <p:cNvSpPr/>
+                <p:nvPr/>
+              </p:nvSpPr>
+              <p:spPr>
+                <a:xfrm>
+                  <a:off x="9617521" y="3025453"/>
+                  <a:ext cx="1445349" cy="380783"/>
+                </a:xfrm>
+                <a:prstGeom prst="ellipse">
+                  <a:avLst/>
+                </a:prstGeom>
+                <a:solidFill>
+                  <a:schemeClr val="accent5">
+                    <a:lumMod val="75000"/>
+                  </a:schemeClr>
+                </a:solidFill>
+              </p:spPr>
+              <p:style>
+                <a:lnRef idx="2">
+                  <a:schemeClr val="accent1">
+                    <a:shade val="50000"/>
+                  </a:schemeClr>
+                </a:lnRef>
+                <a:fillRef idx="1">
+                  <a:schemeClr val="accent1"/>
+                </a:fillRef>
+                <a:effectRef idx="0">
+                  <a:schemeClr val="accent1"/>
+                </a:effectRef>
+                <a:fontRef idx="minor">
+                  <a:schemeClr val="lt1"/>
+                </a:fontRef>
+              </p:style>
+              <p:txBody>
+                <a:bodyPr lIns="0" tIns="0" rIns="0" bIns="0" rtlCol="0" anchor="t">
+                  <a:normAutofit fontScale="85000" lnSpcReduction="20000"/>
+                </a:bodyPr>
+                <a:lstStyle/>
+                <a:p>
+                  <a:pPr algn="ctr"/>
+                  <a:r>
+                    <a:rPr lang="en-US" altLang="ko-KR" sz="1100" dirty="0"/>
+                    <a:t>Front_1Stopper_RET</a:t>
+                  </a:r>
+                  <a:endParaRPr lang="ko-KR" altLang="en-US" sz="1100" dirty="0"/>
+                </a:p>
+              </p:txBody>
+            </p:sp>
+            <p:sp>
+              <p:nvSpPr>
+                <p:cNvPr id="21" name="직사각형 20">
+                  <a:extLst>
+                    <a:ext uri="{FF2B5EF4-FFF2-40B4-BE49-F238E27FC236}">
+                      <a16:creationId xmlns:a16="http://schemas.microsoft.com/office/drawing/2014/main" id="{761F61F6-04B4-8E66-917F-CB98198F1D91}"/>
+                    </a:ext>
+                  </a:extLst>
+                </p:cNvPr>
+                <p:cNvSpPr/>
+                <p:nvPr/>
+              </p:nvSpPr>
+              <p:spPr>
+                <a:xfrm>
+                  <a:off x="6302769" y="2999673"/>
+                  <a:ext cx="1286394" cy="432349"/>
+                </a:xfrm>
+                <a:prstGeom prst="rect">
+                  <a:avLst/>
+                </a:prstGeom>
+                <a:ln>
+                  <a:prstDash val="dash"/>
+                </a:ln>
+              </p:spPr>
+              <p:style>
+                <a:lnRef idx="2">
+                  <a:schemeClr val="accent1">
+                    <a:shade val="50000"/>
+                  </a:schemeClr>
+                </a:lnRef>
+                <a:fillRef idx="1">
+                  <a:schemeClr val="accent1"/>
+                </a:fillRef>
+                <a:effectRef idx="0">
+                  <a:schemeClr val="accent1"/>
+                </a:effectRef>
+                <a:fontRef idx="minor">
+                  <a:schemeClr val="lt1"/>
+                </a:fontRef>
+              </p:style>
+              <p:txBody>
+                <a:bodyPr rtlCol="0" anchor="ctr"/>
+                <a:lstStyle/>
+                <a:p>
+                  <a:pPr algn="ctr"/>
+                  <a:r>
+                    <a:rPr lang="en-US" altLang="ko-KR" dirty="0"/>
+                    <a:t>Robot1_1</a:t>
+                  </a:r>
+                  <a:r>
+                    <a:rPr lang="en-US" altLang="ko-KR" baseline="30000" dirty="0"/>
+                    <a:t>st</a:t>
+                  </a:r>
+                  <a:r>
+                    <a:rPr lang="en-US" altLang="ko-KR" dirty="0"/>
+                    <a:t>_work</a:t>
+                  </a:r>
+                </a:p>
+              </p:txBody>
+            </p:sp>
+            <p:cxnSp>
+              <p:nvCxnSpPr>
+                <p:cNvPr id="22" name="직선 화살표 연결선 21">
+                  <a:extLst>
+                    <a:ext uri="{FF2B5EF4-FFF2-40B4-BE49-F238E27FC236}">
+                      <a16:creationId xmlns:a16="http://schemas.microsoft.com/office/drawing/2014/main" id="{823A50BC-46F0-F648-F290-9F1D4FCFACFB}"/>
+                    </a:ext>
+                  </a:extLst>
+                </p:cNvPr>
+                <p:cNvCxnSpPr>
+                  <a:cxnSpLocks/>
+                  <a:stCxn id="21" idx="3"/>
+                  <a:endCxn id="18" idx="2"/>
+                </p:cNvCxnSpPr>
+                <p:nvPr/>
+              </p:nvCxnSpPr>
+              <p:spPr>
+                <a:xfrm flipV="1">
+                  <a:off x="7589163" y="3215846"/>
+                  <a:ext cx="317790" cy="1"/>
+                </a:xfrm>
+                <a:prstGeom prst="straightConnector1">
+                  <a:avLst/>
+                </a:prstGeom>
+                <a:ln>
+                  <a:tailEnd type="triangle"/>
+                </a:ln>
+              </p:spPr>
+              <p:style>
+                <a:lnRef idx="1">
+                  <a:schemeClr val="accent1"/>
+                </a:lnRef>
+                <a:fillRef idx="0">
+                  <a:schemeClr val="accent1"/>
+                </a:fillRef>
+                <a:effectRef idx="0">
+                  <a:schemeClr val="accent1"/>
+                </a:effectRef>
+                <a:fontRef idx="minor">
+                  <a:schemeClr val="tx1"/>
+                </a:fontRef>
+              </p:style>
+            </p:cxnSp>
+            <p:cxnSp>
+              <p:nvCxnSpPr>
+                <p:cNvPr id="23" name="직선 화살표 연결선 22">
+                  <a:extLst>
+                    <a:ext uri="{FF2B5EF4-FFF2-40B4-BE49-F238E27FC236}">
+                      <a16:creationId xmlns:a16="http://schemas.microsoft.com/office/drawing/2014/main" id="{6EA15D5C-0136-7FFC-C39F-87F58C6043F0}"/>
+                    </a:ext>
+                  </a:extLst>
+                </p:cNvPr>
+                <p:cNvCxnSpPr>
+                  <a:cxnSpLocks/>
+                  <a:stCxn id="18" idx="6"/>
+                  <a:endCxn id="20" idx="2"/>
+                </p:cNvCxnSpPr>
+                <p:nvPr/>
+              </p:nvCxnSpPr>
+              <p:spPr>
+                <a:xfrm flipV="1">
+                  <a:off x="9352301" y="3215845"/>
+                  <a:ext cx="265220" cy="1"/>
+                </a:xfrm>
+                <a:prstGeom prst="straightConnector1">
+                  <a:avLst/>
+                </a:prstGeom>
+                <a:ln>
+                  <a:tailEnd type="triangle"/>
+                </a:ln>
+              </p:spPr>
+              <p:style>
+                <a:lnRef idx="1">
+                  <a:schemeClr val="accent1"/>
+                </a:lnRef>
+                <a:fillRef idx="0">
+                  <a:schemeClr val="accent1"/>
+                </a:fillRef>
+                <a:effectRef idx="0">
+                  <a:schemeClr val="accent1"/>
+                </a:effectRef>
+                <a:fontRef idx="minor">
+                  <a:schemeClr val="tx1"/>
+                </a:fontRef>
+              </p:style>
+            </p:cxnSp>
+          </p:grpSp>
+          <p:cxnSp>
+            <p:nvCxnSpPr>
+              <p:cNvPr id="15" name="연결선: 꺾임 14">
+                <a:extLst>
+                  <a:ext uri="{FF2B5EF4-FFF2-40B4-BE49-F238E27FC236}">
+                    <a16:creationId xmlns:a16="http://schemas.microsoft.com/office/drawing/2014/main" id="{808C8013-5243-EA9B-509E-BFC1D9292A7E}"/>
+                  </a:ext>
+                </a:extLst>
+              </p:cNvPr>
+              <p:cNvCxnSpPr>
+                <a:stCxn id="32" idx="0"/>
+                <a:endCxn id="18" idx="0"/>
+              </p:cNvCxnSpPr>
+              <p:nvPr/>
+            </p:nvCxnSpPr>
+            <p:spPr>
+              <a:xfrm rot="16200000" flipH="1">
+                <a:off x="7239578" y="1949387"/>
+                <a:ext cx="995719" cy="1784378"/>
+              </a:xfrm>
+              <a:prstGeom prst="bentConnector3">
+                <a:avLst>
+                  <a:gd name="adj1" fmla="val -22958"/>
+                </a:avLst>
+              </a:prstGeom>
+              <a:ln>
+                <a:prstDash val="dash"/>
+                <a:headEnd type="triangle"/>
+                <a:tailEnd type="triangle"/>
+              </a:ln>
+            </p:spPr>
+            <p:style>
+              <a:lnRef idx="1">
+                <a:schemeClr val="accent1"/>
+              </a:lnRef>
+              <a:fillRef idx="0">
+                <a:schemeClr val="accent1"/>
+              </a:fillRef>
+              <a:effectRef idx="0">
+                <a:schemeClr val="accent1"/>
+              </a:effectRef>
+              <a:fontRef idx="minor">
+                <a:schemeClr val="tx1"/>
+              </a:fontRef>
+            </p:style>
+          </p:cxnSp>
+          <p:cxnSp>
+            <p:nvCxnSpPr>
+              <p:cNvPr id="16" name="연결선: 꺾임 15">
+                <a:extLst>
+                  <a:ext uri="{FF2B5EF4-FFF2-40B4-BE49-F238E27FC236}">
+                    <a16:creationId xmlns:a16="http://schemas.microsoft.com/office/drawing/2014/main" id="{A1F482B5-A9FB-F31F-4F54-C4215E6989AC}"/>
+                  </a:ext>
+                </a:extLst>
+              </p:cNvPr>
+              <p:cNvCxnSpPr>
+                <a:cxnSpLocks/>
+                <a:stCxn id="27" idx="4"/>
+                <a:endCxn id="20" idx="4"/>
+              </p:cNvCxnSpPr>
+              <p:nvPr/>
+            </p:nvCxnSpPr>
+            <p:spPr>
+              <a:xfrm rot="16200000" flipH="1">
+                <a:off x="6629836" y="169268"/>
+                <a:ext cx="948590" cy="6472129"/>
+              </a:xfrm>
+              <a:prstGeom prst="bentConnector3">
+                <a:avLst>
+                  <a:gd name="adj1" fmla="val 115619"/>
+                </a:avLst>
+              </a:prstGeom>
+              <a:ln>
+                <a:prstDash val="dash"/>
+                <a:headEnd type="triangle"/>
+                <a:tailEnd type="triangle"/>
+              </a:ln>
+            </p:spPr>
+            <p:style>
+              <a:lnRef idx="1">
+                <a:schemeClr val="accent1"/>
+              </a:lnRef>
+              <a:fillRef idx="0">
+                <a:schemeClr val="accent1"/>
+              </a:fillRef>
+              <a:effectRef idx="0">
+                <a:schemeClr val="accent1"/>
+              </a:effectRef>
+              <a:fontRef idx="minor">
+                <a:schemeClr val="tx1"/>
+              </a:fontRef>
+            </p:style>
+          </p:cxnSp>
+        </p:grpSp>
+        <p:sp>
+          <p:nvSpPr>
+            <p:cNvPr id="42" name="직사각형 41">
+              <a:extLst>
+                <a:ext uri="{FF2B5EF4-FFF2-40B4-BE49-F238E27FC236}">
+                  <a16:creationId xmlns:a16="http://schemas.microsoft.com/office/drawing/2014/main" id="{F0C3272F-133B-5055-D6D9-05CE2545873B}"/>
+                </a:ext>
+              </a:extLst>
+            </p:cNvPr>
+            <p:cNvSpPr/>
+            <p:nvPr/>
+          </p:nvSpPr>
+          <p:spPr>
+            <a:xfrm>
+              <a:off x="9191408" y="3481971"/>
+              <a:ext cx="1286394" cy="367920"/>
+            </a:xfrm>
+            <a:prstGeom prst="rect">
+              <a:avLst/>
+            </a:prstGeom>
+            <a:ln>
+              <a:prstDash val="dash"/>
+            </a:ln>
+          </p:spPr>
+          <p:style>
+            <a:lnRef idx="2">
+              <a:schemeClr val="accent1">
+                <a:shade val="50000"/>
+              </a:schemeClr>
+            </a:lnRef>
+            <a:fillRef idx="1">
+              <a:schemeClr val="accent1"/>
+            </a:fillRef>
+            <a:effectRef idx="0">
+              <a:schemeClr val="accent1"/>
+            </a:effectRef>
+            <a:fontRef idx="minor">
+              <a:schemeClr val="lt1"/>
+            </a:fontRef>
+          </p:style>
+          <p:txBody>
+            <a:bodyPr rtlCol="0" anchor="ctr"/>
+            <a:lstStyle/>
+            <a:p>
+              <a:pPr algn="ctr"/>
+              <a:r>
+                <a:rPr lang="en-US" altLang="ko-KR" dirty="0"/>
+                <a:t>Kit_Demo2.Robot1_1</a:t>
+              </a:r>
+              <a:r>
+                <a:rPr lang="en-US" altLang="ko-KR" baseline="30000" dirty="0"/>
+                <a:t>st</a:t>
+              </a:r>
+              <a:r>
+                <a:rPr lang="en-US" altLang="ko-KR" dirty="0"/>
+                <a:t>_work</a:t>
+              </a:r>
+            </a:p>
+          </p:txBody>
+        </p:sp>
+      </p:grpSp>
     </p:spTree>
     <p:extLst>
       <p:ext uri="{BB962C8B-B14F-4D97-AF65-F5344CB8AC3E}">
